--- a/sql/docs/Schema to SQL mapping.pptx
+++ b/sql/docs/Schema to SQL mapping.pptx
@@ -104,6 +104,11 @@
       </a:defRPr>
     </a:lvl9pPr>
   </p:defaultTextStyle>
+  <p:extLst>
+    <p:ext uri="{EFAFB233-063F-42B5-8137-9DF3F51BA10A}">
+      <p15:sldGuideLst xmlns:p15="http://schemas.microsoft.com/office/powerpoint/2012/main"/>
+    </p:ext>
+  </p:extLst>
 </p:presentation>
 </file>
 
@@ -254,7 +259,7 @@
           <a:p>
             <a:fld id="{2E9031DC-C975-4EBE-91A0-7CB3CA4CC294}" type="datetimeFigureOut">
               <a:rPr lang="ru-RU" smtClean="0"/>
-              <a:t>13.01.2021</a:t>
+              <a:t>15.01.2021</a:t>
             </a:fld>
             <a:endParaRPr lang="ru-RU"/>
           </a:p>
@@ -452,7 +457,7 @@
           <a:p>
             <a:fld id="{2E9031DC-C975-4EBE-91A0-7CB3CA4CC294}" type="datetimeFigureOut">
               <a:rPr lang="ru-RU" smtClean="0"/>
-              <a:t>13.01.2021</a:t>
+              <a:t>15.01.2021</a:t>
             </a:fld>
             <a:endParaRPr lang="ru-RU"/>
           </a:p>
@@ -660,7 +665,7 @@
           <a:p>
             <a:fld id="{2E9031DC-C975-4EBE-91A0-7CB3CA4CC294}" type="datetimeFigureOut">
               <a:rPr lang="ru-RU" smtClean="0"/>
-              <a:t>13.01.2021</a:t>
+              <a:t>15.01.2021</a:t>
             </a:fld>
             <a:endParaRPr lang="ru-RU"/>
           </a:p>
@@ -858,7 +863,7 @@
           <a:p>
             <a:fld id="{2E9031DC-C975-4EBE-91A0-7CB3CA4CC294}" type="datetimeFigureOut">
               <a:rPr lang="ru-RU" smtClean="0"/>
-              <a:t>13.01.2021</a:t>
+              <a:t>15.01.2021</a:t>
             </a:fld>
             <a:endParaRPr lang="ru-RU"/>
           </a:p>
@@ -1133,7 +1138,7 @@
           <a:p>
             <a:fld id="{2E9031DC-C975-4EBE-91A0-7CB3CA4CC294}" type="datetimeFigureOut">
               <a:rPr lang="ru-RU" smtClean="0"/>
-              <a:t>13.01.2021</a:t>
+              <a:t>15.01.2021</a:t>
             </a:fld>
             <a:endParaRPr lang="ru-RU"/>
           </a:p>
@@ -1398,7 +1403,7 @@
           <a:p>
             <a:fld id="{2E9031DC-C975-4EBE-91A0-7CB3CA4CC294}" type="datetimeFigureOut">
               <a:rPr lang="ru-RU" smtClean="0"/>
-              <a:t>13.01.2021</a:t>
+              <a:t>15.01.2021</a:t>
             </a:fld>
             <a:endParaRPr lang="ru-RU"/>
           </a:p>
@@ -1810,7 +1815,7 @@
           <a:p>
             <a:fld id="{2E9031DC-C975-4EBE-91A0-7CB3CA4CC294}" type="datetimeFigureOut">
               <a:rPr lang="ru-RU" smtClean="0"/>
-              <a:t>13.01.2021</a:t>
+              <a:t>15.01.2021</a:t>
             </a:fld>
             <a:endParaRPr lang="ru-RU"/>
           </a:p>
@@ -1951,7 +1956,7 @@
           <a:p>
             <a:fld id="{2E9031DC-C975-4EBE-91A0-7CB3CA4CC294}" type="datetimeFigureOut">
               <a:rPr lang="ru-RU" smtClean="0"/>
-              <a:t>13.01.2021</a:t>
+              <a:t>15.01.2021</a:t>
             </a:fld>
             <a:endParaRPr lang="ru-RU"/>
           </a:p>
@@ -2064,7 +2069,7 @@
           <a:p>
             <a:fld id="{2E9031DC-C975-4EBE-91A0-7CB3CA4CC294}" type="datetimeFigureOut">
               <a:rPr lang="ru-RU" smtClean="0"/>
-              <a:t>13.01.2021</a:t>
+              <a:t>15.01.2021</a:t>
             </a:fld>
             <a:endParaRPr lang="ru-RU"/>
           </a:p>
@@ -2375,7 +2380,7 @@
           <a:p>
             <a:fld id="{2E9031DC-C975-4EBE-91A0-7CB3CA4CC294}" type="datetimeFigureOut">
               <a:rPr lang="ru-RU" smtClean="0"/>
-              <a:t>13.01.2021</a:t>
+              <a:t>15.01.2021</a:t>
             </a:fld>
             <a:endParaRPr lang="ru-RU"/>
           </a:p>
@@ -2663,7 +2668,7 @@
           <a:p>
             <a:fld id="{2E9031DC-C975-4EBE-91A0-7CB3CA4CC294}" type="datetimeFigureOut">
               <a:rPr lang="ru-RU" smtClean="0"/>
-              <a:t>13.01.2021</a:t>
+              <a:t>15.01.2021</a:t>
             </a:fld>
             <a:endParaRPr lang="ru-RU"/>
           </a:p>
@@ -2904,7 +2909,7 @@
           <a:p>
             <a:fld id="{2E9031DC-C975-4EBE-91A0-7CB3CA4CC294}" type="datetimeFigureOut">
               <a:rPr lang="ru-RU" smtClean="0"/>
-              <a:t>13.01.2021</a:t>
+              <a:t>15.01.2021</a:t>
             </a:fld>
             <a:endParaRPr lang="ru-RU"/>
           </a:p>
@@ -3366,7 +3371,7 @@
           <p:nvPr>
             <p:extLst>
               <p:ext uri="{D42A27DB-BD31-4B8C-83A1-F6EECF244321}">
-                <p14:modId xmlns:p14="http://schemas.microsoft.com/office/powerpoint/2010/main" val="2805528974"/>
+                <p14:modId xmlns:p14="http://schemas.microsoft.com/office/powerpoint/2010/main" val="1610334533"/>
               </p:ext>
             </p:extLst>
           </p:nvPr>
@@ -3419,7 +3424,7 @@
                     <a:p>
                       <a:r>
                         <a:rPr lang="en-US" sz="1200" dirty="0"/>
-                        <a:t>Table name = lower(</a:t>
+                        <a:t>Table name = </a:t>
                       </a:r>
                       <a:r>
                         <a:rPr lang="en-US" sz="1200" dirty="0" err="1"/>
@@ -3427,7 +3432,7 @@
                       </a:r>
                       <a:r>
                         <a:rPr lang="en-US" sz="1200" dirty="0"/>
-                        <a:t>)</a:t>
+                        <a:t> name</a:t>
                       </a:r>
                       <a:endParaRPr lang="ru-RU" sz="1200" dirty="0"/>
                     </a:p>
@@ -4006,7 +4011,7 @@
           <p:nvPr>
             <p:extLst>
               <p:ext uri="{D42A27DB-BD31-4B8C-83A1-F6EECF244321}">
-                <p14:modId xmlns:p14="http://schemas.microsoft.com/office/powerpoint/2010/main" val="2513752269"/>
+                <p14:modId xmlns:p14="http://schemas.microsoft.com/office/powerpoint/2010/main" val="3938716496"/>
               </p:ext>
             </p:extLst>
           </p:nvPr>
@@ -4188,10 +4193,52 @@
                         <a:defRPr/>
                       </a:pPr>
                       <a:r>
+                        <a:rPr lang="en-US" sz="1200"/>
+                        <a:t>TINYTEXT</a:t>
+                      </a:r>
+                      <a:endParaRPr lang="ru-RU" sz="1200" dirty="0"/>
+                    </a:p>
+                  </a:txBody>
+                  <a:tcPr/>
+                </a:tc>
+                <a:extLst>
+                  <a:ext uri="{0D108BD9-81ED-4DB2-BD59-A6C34878D82A}">
+                    <a16:rowId xmlns:a16="http://schemas.microsoft.com/office/drawing/2014/main" val="3488617891"/>
+                  </a:ext>
+                </a:extLst>
+              </a:tr>
+              <a:tr h="370840">
+                <a:tc>
+                  <a:txBody>
+                    <a:bodyPr/>
+                    <a:lstStyle/>
+                    <a:p>
+                      <a:r>
+                        <a:rPr lang="ru-RU" sz="1200" dirty="0"/>
+                        <a:t>1.3.6.1.4.1.1466.115.121.1.15</a:t>
+                      </a:r>
+                    </a:p>
+                  </a:txBody>
+                  <a:tcPr/>
+                </a:tc>
+                <a:tc>
+                  <a:txBody>
+                    <a:bodyPr/>
+                    <a:lstStyle/>
+                    <a:p>
+                      <a:r>
                         <a:rPr lang="en-US" sz="1200" dirty="0"/>
-                        <a:t>VARCHAR(128)</a:t>
+                        <a:t>Directory string syntax </a:t>
                       </a:r>
-                    </a:p>
+                      <a:endParaRPr lang="ru-RU" sz="1200" dirty="0"/>
+                    </a:p>
+                  </a:txBody>
+                  <a:tcPr/>
+                </a:tc>
+                <a:tc>
+                  <a:txBody>
+                    <a:bodyPr/>
+                    <a:lstStyle/>
                     <a:p>
                       <a:pPr marL="0" marR="0" lvl="0" indent="0" algn="l" defTabSz="914400" rtl="0" eaLnBrk="1" fontAlgn="auto" latinLnBrk="0" hangingPunct="1">
                         <a:lnSpc>
@@ -4212,51 +4259,9 @@
                       </a:pPr>
                       <a:r>
                         <a:rPr lang="en-US" sz="1200" dirty="0"/>
-                        <a:t>Add property to schema to allow override size. Max allowed size is 255</a:t>
+                        <a:t>VARCHAR(128) / TEXT</a:t>
                       </a:r>
-                      <a:endParaRPr lang="ru-RU" sz="1200" dirty="0"/>
-                    </a:p>
-                  </a:txBody>
-                  <a:tcPr/>
-                </a:tc>
-                <a:extLst>
-                  <a:ext uri="{0D108BD9-81ED-4DB2-BD59-A6C34878D82A}">
-                    <a16:rowId xmlns:a16="http://schemas.microsoft.com/office/drawing/2014/main" val="3488617891"/>
-                  </a:ext>
-                </a:extLst>
-              </a:tr>
-              <a:tr h="370840">
-                <a:tc>
-                  <a:txBody>
-                    <a:bodyPr/>
-                    <a:lstStyle/>
-                    <a:p>
-                      <a:r>
-                        <a:rPr lang="ru-RU" sz="1200" dirty="0"/>
-                        <a:t>1.3.6.1.4.1.1466.115.121.1.15</a:t>
-                      </a:r>
-                    </a:p>
-                  </a:txBody>
-                  <a:tcPr/>
-                </a:tc>
-                <a:tc>
-                  <a:txBody>
-                    <a:bodyPr/>
-                    <a:lstStyle/>
-                    <a:p>
-                      <a:r>
-                        <a:rPr lang="en-US" sz="1200" dirty="0"/>
-                        <a:t>Directory string syntax </a:t>
-                      </a:r>
-                      <a:endParaRPr lang="ru-RU" sz="1200" dirty="0"/>
-                    </a:p>
-                  </a:txBody>
-                  <a:tcPr/>
-                </a:tc>
-                <a:tc>
-                  <a:txBody>
-                    <a:bodyPr/>
-                    <a:lstStyle/>
+                    </a:p>
                     <a:p>
                       <a:pPr marL="0" marR="0" lvl="0" indent="0" algn="l" defTabSz="914400" rtl="0" eaLnBrk="1" fontAlgn="auto" latinLnBrk="0" hangingPunct="1">
                         <a:lnSpc>
@@ -4277,30 +4282,7 @@
                       </a:pPr>
                       <a:r>
                         <a:rPr lang="en-US" sz="1200" dirty="0"/>
-                        <a:t>VARCHAR(128) / BLOB</a:t>
-                      </a:r>
-                    </a:p>
-                    <a:p>
-                      <a:pPr marL="0" marR="0" lvl="0" indent="0" algn="l" defTabSz="914400" rtl="0" eaLnBrk="1" fontAlgn="auto" latinLnBrk="0" hangingPunct="1">
-                        <a:lnSpc>
-                          <a:spcPct val="100000"/>
-                        </a:lnSpc>
-                        <a:spcBef>
-                          <a:spcPts val="0"/>
-                        </a:spcBef>
-                        <a:spcAft>
-                          <a:spcPts val="0"/>
-                        </a:spcAft>
-                        <a:buClrTx/>
-                        <a:buSzTx/>
-                        <a:buFontTx/>
-                        <a:buNone/>
-                        <a:tabLst/>
-                        <a:defRPr/>
-                      </a:pPr>
-                      <a:r>
-                        <a:rPr lang="en-US" sz="1200" dirty="0"/>
-                        <a:t>Add property to schema to allow override size. If size bigger than 256 use BLOB</a:t>
+                        <a:t>Add property to schema to allow override size. If size bigger than 256 use TEXT</a:t>
                       </a:r>
                     </a:p>
                   </a:txBody>

--- a/sql/docs/Schema to SQL mapping.pptx
+++ b/sql/docs/Schema to SQL mapping.pptx
@@ -6,6 +6,10 @@
   </p:sldMasterIdLst>
   <p:sldIdLst>
     <p:sldId id="256" r:id="rId2"/>
+    <p:sldId id="257" r:id="rId3"/>
+    <p:sldId id="258" r:id="rId4"/>
+    <p:sldId id="259" r:id="rId5"/>
+    <p:sldId id="260" r:id="rId6"/>
   </p:sldIdLst>
   <p:sldSz cx="12192000" cy="6858000"/>
   <p:notesSz cx="6858000" cy="9144000"/>
@@ -259,7 +263,7 @@
           <a:p>
             <a:fld id="{2E9031DC-C975-4EBE-91A0-7CB3CA4CC294}" type="datetimeFigureOut">
               <a:rPr lang="ru-RU" smtClean="0"/>
-              <a:t>15.01.2021</a:t>
+              <a:t>03.02.2021</a:t>
             </a:fld>
             <a:endParaRPr lang="ru-RU"/>
           </a:p>
@@ -457,7 +461,7 @@
           <a:p>
             <a:fld id="{2E9031DC-C975-4EBE-91A0-7CB3CA4CC294}" type="datetimeFigureOut">
               <a:rPr lang="ru-RU" smtClean="0"/>
-              <a:t>15.01.2021</a:t>
+              <a:t>03.02.2021</a:t>
             </a:fld>
             <a:endParaRPr lang="ru-RU"/>
           </a:p>
@@ -665,7 +669,7 @@
           <a:p>
             <a:fld id="{2E9031DC-C975-4EBE-91A0-7CB3CA4CC294}" type="datetimeFigureOut">
               <a:rPr lang="ru-RU" smtClean="0"/>
-              <a:t>15.01.2021</a:t>
+              <a:t>03.02.2021</a:t>
             </a:fld>
             <a:endParaRPr lang="ru-RU"/>
           </a:p>
@@ -863,7 +867,7 @@
           <a:p>
             <a:fld id="{2E9031DC-C975-4EBE-91A0-7CB3CA4CC294}" type="datetimeFigureOut">
               <a:rPr lang="ru-RU" smtClean="0"/>
-              <a:t>15.01.2021</a:t>
+              <a:t>03.02.2021</a:t>
             </a:fld>
             <a:endParaRPr lang="ru-RU"/>
           </a:p>
@@ -1138,7 +1142,7 @@
           <a:p>
             <a:fld id="{2E9031DC-C975-4EBE-91A0-7CB3CA4CC294}" type="datetimeFigureOut">
               <a:rPr lang="ru-RU" smtClean="0"/>
-              <a:t>15.01.2021</a:t>
+              <a:t>03.02.2021</a:t>
             </a:fld>
             <a:endParaRPr lang="ru-RU"/>
           </a:p>
@@ -1403,7 +1407,7 @@
           <a:p>
             <a:fld id="{2E9031DC-C975-4EBE-91A0-7CB3CA4CC294}" type="datetimeFigureOut">
               <a:rPr lang="ru-RU" smtClean="0"/>
-              <a:t>15.01.2021</a:t>
+              <a:t>03.02.2021</a:t>
             </a:fld>
             <a:endParaRPr lang="ru-RU"/>
           </a:p>
@@ -1815,7 +1819,7 @@
           <a:p>
             <a:fld id="{2E9031DC-C975-4EBE-91A0-7CB3CA4CC294}" type="datetimeFigureOut">
               <a:rPr lang="ru-RU" smtClean="0"/>
-              <a:t>15.01.2021</a:t>
+              <a:t>03.02.2021</a:t>
             </a:fld>
             <a:endParaRPr lang="ru-RU"/>
           </a:p>
@@ -1956,7 +1960,7 @@
           <a:p>
             <a:fld id="{2E9031DC-C975-4EBE-91A0-7CB3CA4CC294}" type="datetimeFigureOut">
               <a:rPr lang="ru-RU" smtClean="0"/>
-              <a:t>15.01.2021</a:t>
+              <a:t>03.02.2021</a:t>
             </a:fld>
             <a:endParaRPr lang="ru-RU"/>
           </a:p>
@@ -2069,7 +2073,7 @@
           <a:p>
             <a:fld id="{2E9031DC-C975-4EBE-91A0-7CB3CA4CC294}" type="datetimeFigureOut">
               <a:rPr lang="ru-RU" smtClean="0"/>
-              <a:t>15.01.2021</a:t>
+              <a:t>03.02.2021</a:t>
             </a:fld>
             <a:endParaRPr lang="ru-RU"/>
           </a:p>
@@ -2380,7 +2384,7 @@
           <a:p>
             <a:fld id="{2E9031DC-C975-4EBE-91A0-7CB3CA4CC294}" type="datetimeFigureOut">
               <a:rPr lang="ru-RU" smtClean="0"/>
-              <a:t>15.01.2021</a:t>
+              <a:t>03.02.2021</a:t>
             </a:fld>
             <a:endParaRPr lang="ru-RU"/>
           </a:p>
@@ -2668,7 +2672,7 @@
           <a:p>
             <a:fld id="{2E9031DC-C975-4EBE-91A0-7CB3CA4CC294}" type="datetimeFigureOut">
               <a:rPr lang="ru-RU" smtClean="0"/>
-              <a:t>15.01.2021</a:t>
+              <a:t>03.02.2021</a:t>
             </a:fld>
             <a:endParaRPr lang="ru-RU"/>
           </a:p>
@@ -2909,7 +2913,7 @@
           <a:p>
             <a:fld id="{2E9031DC-C975-4EBE-91A0-7CB3CA4CC294}" type="datetimeFigureOut">
               <a:rPr lang="ru-RU" smtClean="0"/>
-              <a:t>15.01.2021</a:t>
+              <a:t>03.02.2021</a:t>
             </a:fld>
             <a:endParaRPr lang="ru-RU"/>
           </a:p>
@@ -4011,7 +4015,7 @@
           <p:nvPr>
             <p:extLst>
               <p:ext uri="{D42A27DB-BD31-4B8C-83A1-F6EECF244321}">
-                <p14:modId xmlns:p14="http://schemas.microsoft.com/office/powerpoint/2010/main" val="3938716496"/>
+                <p14:modId xmlns:p14="http://schemas.microsoft.com/office/powerpoint/2010/main" val="3157822727"/>
               </p:ext>
             </p:extLst>
           </p:nvPr>
@@ -4259,30 +4263,7 @@
                       </a:pPr>
                       <a:r>
                         <a:rPr lang="en-US" sz="1200" dirty="0"/>
-                        <a:t>VARCHAR(128) / TEXT</a:t>
-                      </a:r>
-                    </a:p>
-                    <a:p>
-                      <a:pPr marL="0" marR="0" lvl="0" indent="0" algn="l" defTabSz="914400" rtl="0" eaLnBrk="1" fontAlgn="auto" latinLnBrk="0" hangingPunct="1">
-                        <a:lnSpc>
-                          <a:spcPct val="100000"/>
-                        </a:lnSpc>
-                        <a:spcBef>
-                          <a:spcPts val="0"/>
-                        </a:spcBef>
-                        <a:spcAft>
-                          <a:spcPts val="0"/>
-                        </a:spcAft>
-                        <a:buClrTx/>
-                        <a:buSzTx/>
-                        <a:buFontTx/>
-                        <a:buNone/>
-                        <a:tabLst/>
-                        <a:defRPr/>
-                      </a:pPr>
-                      <a:r>
-                        <a:rPr lang="en-US" sz="1200" dirty="0"/>
-                        <a:t>Add property to schema to allow override size. If size bigger than 256 use TEXT</a:t>
+                        <a:t>VARCHAR(127) / TINYTEXT / TEXT / Type from schema if defined</a:t>
                       </a:r>
                     </a:p>
                   </a:txBody>
@@ -4329,7 +4310,7 @@
                     <a:p>
                       <a:r>
                         <a:rPr lang="en-US" sz="1200" dirty="0"/>
-                        <a:t>DATETIME</a:t>
+                        <a:t>DATETIME(3)</a:t>
                       </a:r>
                       <a:endParaRPr lang="ru-RU" sz="1200" dirty="0"/>
                     </a:p>
@@ -4426,7 +4407,7 @@
                     <a:p>
                       <a:r>
                         <a:rPr lang="en-US" sz="1200" dirty="0"/>
-                        <a:t>Store values in SQL types specified above as JSON array</a:t>
+                        <a:t>Store values as JSON types in JSON array</a:t>
                       </a:r>
                       <a:endParaRPr lang="ru-RU" sz="1200" dirty="0"/>
                     </a:p>
@@ -4483,6 +4464,1444 @@
     <p:extLst>
       <p:ext uri="{BB962C8B-B14F-4D97-AF65-F5344CB8AC3E}">
         <p14:creationId xmlns:p14="http://schemas.microsoft.com/office/powerpoint/2010/main" val="217649872"/>
+      </p:ext>
+    </p:extLst>
+  </p:cSld>
+  <p:clrMapOvr>
+    <a:masterClrMapping/>
+  </p:clrMapOvr>
+</p:sld>
+</file>
+
+<file path=ppt/slides/slide2.xml><?xml version="1.0" encoding="utf-8"?>
+<p:sld xmlns:a="http://schemas.openxmlformats.org/drawingml/2006/main" xmlns:r="http://schemas.openxmlformats.org/officeDocument/2006/relationships" xmlns:p="http://schemas.openxmlformats.org/presentationml/2006/main">
+  <p:cSld>
+    <p:spTree>
+      <p:nvGrpSpPr>
+        <p:cNvPr id="1" name=""/>
+        <p:cNvGrpSpPr/>
+        <p:nvPr/>
+      </p:nvGrpSpPr>
+      <p:grpSpPr>
+        <a:xfrm>
+          <a:off x="0" y="0"/>
+          <a:ext cx="0" cy="0"/>
+          <a:chOff x="0" y="0"/>
+          <a:chExt cx="0" cy="0"/>
+        </a:xfrm>
+      </p:grpSpPr>
+      <p:sp>
+        <p:nvSpPr>
+          <p:cNvPr id="4" name="TextBox 3">
+            <a:extLst>
+              <a:ext uri="{FF2B5EF4-FFF2-40B4-BE49-F238E27FC236}">
+                <a16:creationId xmlns:a16="http://schemas.microsoft.com/office/drawing/2014/main" id="{3B446C91-7005-426C-B00E-08477DAFAF7E}"/>
+              </a:ext>
+            </a:extLst>
+          </p:cNvPr>
+          <p:cNvSpPr txBox="1"/>
+          <p:nvPr/>
+        </p:nvSpPr>
+        <p:spPr>
+          <a:xfrm>
+            <a:off x="541538" y="311705"/>
+            <a:ext cx="3864263" cy="369332"/>
+          </a:xfrm>
+          <a:prstGeom prst="rect">
+            <a:avLst/>
+          </a:prstGeom>
+          <a:noFill/>
+        </p:spPr>
+        <p:txBody>
+          <a:bodyPr wrap="none" rtlCol="0">
+            <a:spAutoFit/>
+          </a:bodyPr>
+          <a:lstStyle/>
+          <a:p>
+            <a:r>
+              <a:rPr lang="en-US" dirty="0">
+                <a:solidFill>
+                  <a:srgbClr val="0070C0"/>
+                </a:solidFill>
+              </a:rPr>
+              <a:t>Extended rules to specify required type</a:t>
+            </a:r>
+            <a:endParaRPr lang="ru-RU" dirty="0">
+              <a:solidFill>
+                <a:srgbClr val="0070C0"/>
+              </a:solidFill>
+            </a:endParaRPr>
+          </a:p>
+        </p:txBody>
+      </p:sp>
+      <p:sp>
+        <p:nvSpPr>
+          <p:cNvPr id="11" name="TextBox 10">
+            <a:extLst>
+              <a:ext uri="{FF2B5EF4-FFF2-40B4-BE49-F238E27FC236}">
+                <a16:creationId xmlns:a16="http://schemas.microsoft.com/office/drawing/2014/main" id="{620CC34B-CEEF-465F-9E09-9303EA3EBDD0}"/>
+              </a:ext>
+            </a:extLst>
+          </p:cNvPr>
+          <p:cNvSpPr txBox="1"/>
+          <p:nvPr/>
+        </p:nvSpPr>
+        <p:spPr>
+          <a:xfrm>
+            <a:off x="410525" y="757184"/>
+            <a:ext cx="11405653" cy="3693319"/>
+          </a:xfrm>
+          <a:prstGeom prst="rect">
+            <a:avLst/>
+          </a:prstGeom>
+          <a:noFill/>
+        </p:spPr>
+        <p:txBody>
+          <a:bodyPr wrap="square">
+            <a:spAutoFit/>
+          </a:bodyPr>
+          <a:lstStyle/>
+          <a:p>
+            <a:r>
+              <a:rPr lang="en-US" dirty="0"/>
+              <a:t> {</a:t>
+            </a:r>
+          </a:p>
+          <a:p>
+            <a:r>
+              <a:rPr lang="en-US" dirty="0"/>
+              <a:t>      "desc": "</a:t>
+            </a:r>
+            <a:r>
+              <a:rPr lang="en-US" dirty="0" err="1"/>
+              <a:t>jans</a:t>
+            </a:r>
+            <a:r>
+              <a:rPr lang="en-US" dirty="0"/>
+              <a:t> user id",</a:t>
+            </a:r>
+          </a:p>
+          <a:p>
+            <a:r>
+              <a:rPr lang="en-US" dirty="0"/>
+              <a:t>      "equality": "</a:t>
+            </a:r>
+            <a:r>
+              <a:rPr lang="en-US" dirty="0" err="1"/>
+              <a:t>caseIgnoreMatch</a:t>
+            </a:r>
+            <a:r>
+              <a:rPr lang="en-US" dirty="0"/>
+              <a:t>",</a:t>
+            </a:r>
+          </a:p>
+          <a:p>
+            <a:r>
+              <a:rPr lang="en-US" dirty="0"/>
+              <a:t>      "names": [</a:t>
+            </a:r>
+          </a:p>
+          <a:p>
+            <a:r>
+              <a:rPr lang="en-US" dirty="0"/>
+              <a:t>        "</a:t>
+            </a:r>
+            <a:r>
+              <a:rPr lang="en-US" dirty="0" err="1"/>
+              <a:t>jansUsrId</a:t>
+            </a:r>
+            <a:r>
+              <a:rPr lang="en-US" dirty="0"/>
+              <a:t>",</a:t>
+            </a:r>
+          </a:p>
+          <a:p>
+            <a:r>
+              <a:rPr lang="en-US" dirty="0"/>
+              <a:t>        "</a:t>
+            </a:r>
+            <a:r>
+              <a:rPr lang="en-US" dirty="0" err="1"/>
+              <a:t>usrId</a:t>
+            </a:r>
+            <a:r>
+              <a:rPr lang="en-US" dirty="0"/>
+              <a:t>"</a:t>
+            </a:r>
+          </a:p>
+          <a:p>
+            <a:r>
+              <a:rPr lang="en-US" dirty="0"/>
+              <a:t>      ],</a:t>
+            </a:r>
+          </a:p>
+          <a:p>
+            <a:r>
+              <a:rPr lang="en-US" dirty="0"/>
+              <a:t>      "</a:t>
+            </a:r>
+            <a:r>
+              <a:rPr lang="en-US" dirty="0" err="1"/>
+              <a:t>oid</a:t>
+            </a:r>
+            <a:r>
+              <a:rPr lang="en-US" dirty="0"/>
+              <a:t>": "</a:t>
+            </a:r>
+            <a:r>
+              <a:rPr lang="en-US" dirty="0" err="1"/>
+              <a:t>jansAttr</a:t>
+            </a:r>
+            <a:r>
+              <a:rPr lang="en-US" dirty="0"/>
+              <a:t>",</a:t>
+            </a:r>
+          </a:p>
+          <a:p>
+            <a:r>
+              <a:rPr lang="en-US" dirty="0"/>
+              <a:t>      "</a:t>
+            </a:r>
+            <a:r>
+              <a:rPr lang="en-US" dirty="0" err="1"/>
+              <a:t>substr</a:t>
+            </a:r>
+            <a:r>
+              <a:rPr lang="en-US" dirty="0"/>
+              <a:t>": "</a:t>
+            </a:r>
+            <a:r>
+              <a:rPr lang="en-US" dirty="0" err="1"/>
+              <a:t>caseIgnoreSubstringsMatch</a:t>
+            </a:r>
+            <a:r>
+              <a:rPr lang="en-US" dirty="0"/>
+              <a:t>",</a:t>
+            </a:r>
+          </a:p>
+          <a:p>
+            <a:r>
+              <a:rPr lang="en-US" dirty="0"/>
+              <a:t>      "syntax": "1.3.6.1.4.1.1466.115.121.1.15",</a:t>
+            </a:r>
+          </a:p>
+          <a:p>
+            <a:r>
+              <a:rPr lang="en-US" dirty="0"/>
+              <a:t>      "</a:t>
+            </a:r>
+            <a:r>
+              <a:rPr lang="en-US" dirty="0" err="1"/>
+              <a:t>x_origin</a:t>
+            </a:r>
+            <a:r>
+              <a:rPr lang="en-US" dirty="0"/>
+              <a:t>": "</a:t>
+            </a:r>
+            <a:r>
+              <a:rPr lang="en-US" dirty="0" err="1"/>
+              <a:t>Jans</a:t>
+            </a:r>
+            <a:r>
+              <a:rPr lang="en-US" dirty="0"/>
+              <a:t> created attribute“,</a:t>
+            </a:r>
+          </a:p>
+          <a:p>
+            <a:r>
+              <a:rPr lang="en-US" dirty="0">
+                <a:solidFill>
+                  <a:srgbClr val="00B050"/>
+                </a:solidFill>
+              </a:rPr>
+              <a:t>      “</a:t>
+            </a:r>
+            <a:r>
+              <a:rPr lang="en-US" dirty="0" err="1">
+                <a:solidFill>
+                  <a:srgbClr val="00B050"/>
+                </a:solidFill>
+              </a:rPr>
+              <a:t>db_data_type</a:t>
+            </a:r>
+            <a:r>
+              <a:rPr lang="en-US" dirty="0">
+                <a:solidFill>
+                  <a:srgbClr val="00B050"/>
+                </a:solidFill>
+              </a:rPr>
+              <a:t>": {“</a:t>
+            </a:r>
+            <a:r>
+              <a:rPr lang="en-US" dirty="0" err="1">
+                <a:solidFill>
+                  <a:srgbClr val="00B050"/>
+                </a:solidFill>
+              </a:rPr>
+              <a:t>db</a:t>
+            </a:r>
+            <a:r>
+              <a:rPr lang="en-US" dirty="0">
+                <a:solidFill>
+                  <a:srgbClr val="00B050"/>
+                </a:solidFill>
+              </a:rPr>
+              <a:t>” : “</a:t>
+            </a:r>
+            <a:r>
+              <a:rPr lang="en-US" dirty="0" err="1">
+                <a:solidFill>
+                  <a:srgbClr val="00B050"/>
+                </a:solidFill>
+              </a:rPr>
+              <a:t>mysql</a:t>
+            </a:r>
+            <a:r>
+              <a:rPr lang="en-US" dirty="0">
+                <a:solidFill>
+                  <a:srgbClr val="00B050"/>
+                </a:solidFill>
+              </a:rPr>
+              <a:t>”, “type” : “VARCHAR”, “size” : 47}</a:t>
+            </a:r>
+          </a:p>
+          <a:p>
+            <a:r>
+              <a:rPr lang="en-US" dirty="0"/>
+              <a:t>    },</a:t>
+            </a:r>
+          </a:p>
+        </p:txBody>
+      </p:sp>
+      <p:sp>
+        <p:nvSpPr>
+          <p:cNvPr id="12" name="TextBox 11">
+            <a:extLst>
+              <a:ext uri="{FF2B5EF4-FFF2-40B4-BE49-F238E27FC236}">
+                <a16:creationId xmlns:a16="http://schemas.microsoft.com/office/drawing/2014/main" id="{BC1458E6-38F8-4900-B7C5-29150FD3D0E6}"/>
+              </a:ext>
+            </a:extLst>
+          </p:cNvPr>
+          <p:cNvSpPr txBox="1"/>
+          <p:nvPr/>
+        </p:nvSpPr>
+        <p:spPr>
+          <a:xfrm>
+            <a:off x="541538" y="4802819"/>
+            <a:ext cx="10963922" cy="1754326"/>
+          </a:xfrm>
+          <a:prstGeom prst="rect">
+            <a:avLst/>
+          </a:prstGeom>
+          <a:noFill/>
+        </p:spPr>
+        <p:txBody>
+          <a:bodyPr wrap="square" rtlCol="0">
+            <a:spAutoFit/>
+          </a:bodyPr>
+          <a:lstStyle/>
+          <a:p>
+            <a:pPr marL="342900" indent="-342900">
+              <a:buAutoNum type="arabicPeriod"/>
+            </a:pPr>
+            <a:r>
+              <a:rPr lang="en-US" dirty="0"/>
+              <a:t>Default string size is 47.</a:t>
+            </a:r>
+          </a:p>
+          <a:p>
+            <a:pPr marL="342900" indent="-342900">
+              <a:buAutoNum type="arabicPeriod"/>
+            </a:pPr>
+            <a:r>
+              <a:rPr lang="en-US" dirty="0"/>
+              <a:t>Override string size with size from </a:t>
+            </a:r>
+            <a:r>
+              <a:rPr lang="en-US" dirty="0">
+                <a:solidFill>
+                  <a:srgbClr val="00B050"/>
+                </a:solidFill>
+              </a:rPr>
+              <a:t>“</a:t>
+            </a:r>
+            <a:r>
+              <a:rPr lang="en-US" dirty="0" err="1">
+                <a:solidFill>
+                  <a:srgbClr val="00B050"/>
+                </a:solidFill>
+              </a:rPr>
+              <a:t>db_data_type</a:t>
+            </a:r>
+            <a:r>
+              <a:rPr lang="en-US" dirty="0">
+                <a:solidFill>
+                  <a:srgbClr val="00B050"/>
+                </a:solidFill>
+              </a:rPr>
+              <a:t>” </a:t>
+            </a:r>
+            <a:r>
+              <a:rPr lang="en-US" dirty="0"/>
+              <a:t>if exists.</a:t>
+            </a:r>
+          </a:p>
+          <a:p>
+            <a:pPr marL="342900" indent="-342900">
+              <a:buAutoNum type="arabicPeriod"/>
+            </a:pPr>
+            <a:endParaRPr lang="en-US" dirty="0"/>
+          </a:p>
+          <a:p>
+            <a:pPr marL="342900" indent="-342900">
+              <a:buAutoNum type="arabicPeriod"/>
+            </a:pPr>
+            <a:r>
+              <a:rPr lang="en-US" dirty="0"/>
+              <a:t>Use </a:t>
+            </a:r>
+            <a:r>
+              <a:rPr lang="ru-RU" dirty="0"/>
+              <a:t>VARCHAR(</a:t>
+            </a:r>
+            <a:r>
+              <a:rPr lang="en-US" dirty="0"/>
+              <a:t>size</a:t>
+            </a:r>
+            <a:r>
+              <a:rPr lang="ru-RU" dirty="0"/>
+              <a:t>)</a:t>
+            </a:r>
+            <a:r>
+              <a:rPr lang="en-US" dirty="0"/>
+              <a:t> if length </a:t>
+            </a:r>
+            <a:r>
+              <a:rPr lang="ru-RU" dirty="0"/>
+              <a:t>&lt;= 127</a:t>
+            </a:r>
+            <a:endParaRPr lang="en-US" dirty="0"/>
+          </a:p>
+          <a:p>
+            <a:pPr marL="342900" indent="-342900">
+              <a:buFontTx/>
+              <a:buAutoNum type="arabicPeriod"/>
+            </a:pPr>
+            <a:r>
+              <a:rPr lang="en-US" dirty="0"/>
+              <a:t>Use TINYTEXT if 128 &lt; length </a:t>
+            </a:r>
+            <a:r>
+              <a:rPr lang="ru-RU" dirty="0"/>
+              <a:t>&lt;= </a:t>
+            </a:r>
+            <a:r>
+              <a:rPr lang="en-US" dirty="0"/>
+              <a:t>255</a:t>
+            </a:r>
+          </a:p>
+          <a:p>
+            <a:pPr marL="342900" indent="-342900">
+              <a:buFontTx/>
+              <a:buAutoNum type="arabicPeriod"/>
+            </a:pPr>
+            <a:r>
+              <a:rPr lang="en-US" dirty="0"/>
+              <a:t>Use TEXT if length &gt;</a:t>
+            </a:r>
+            <a:r>
+              <a:rPr lang="ru-RU" dirty="0"/>
+              <a:t> </a:t>
+            </a:r>
+            <a:r>
+              <a:rPr lang="en-US" dirty="0"/>
+              <a:t>255</a:t>
+            </a:r>
+          </a:p>
+        </p:txBody>
+      </p:sp>
+      <p:sp>
+        <p:nvSpPr>
+          <p:cNvPr id="13" name="TextBox 12">
+            <a:extLst>
+              <a:ext uri="{FF2B5EF4-FFF2-40B4-BE49-F238E27FC236}">
+                <a16:creationId xmlns:a16="http://schemas.microsoft.com/office/drawing/2014/main" id="{857BDC75-1DE4-416C-982F-C3824A3CB7B0}"/>
+              </a:ext>
+            </a:extLst>
+          </p:cNvPr>
+          <p:cNvSpPr txBox="1"/>
+          <p:nvPr/>
+        </p:nvSpPr>
+        <p:spPr>
+          <a:xfrm>
+            <a:off x="541537" y="4467934"/>
+            <a:ext cx="4184672" cy="369332"/>
+          </a:xfrm>
+          <a:prstGeom prst="rect">
+            <a:avLst/>
+          </a:prstGeom>
+          <a:noFill/>
+        </p:spPr>
+        <p:txBody>
+          <a:bodyPr wrap="none" rtlCol="0">
+            <a:spAutoFit/>
+          </a:bodyPr>
+          <a:lstStyle/>
+          <a:p>
+            <a:r>
+              <a:rPr lang="en-US" dirty="0">
+                <a:solidFill>
+                  <a:srgbClr val="0070C0"/>
+                </a:solidFill>
+              </a:rPr>
+              <a:t>Extended rules to convert Directory Strings</a:t>
+            </a:r>
+            <a:endParaRPr lang="ru-RU" dirty="0">
+              <a:solidFill>
+                <a:srgbClr val="0070C0"/>
+              </a:solidFill>
+            </a:endParaRPr>
+          </a:p>
+        </p:txBody>
+      </p:sp>
+    </p:spTree>
+    <p:extLst>
+      <p:ext uri="{BB962C8B-B14F-4D97-AF65-F5344CB8AC3E}">
+        <p14:creationId xmlns:p14="http://schemas.microsoft.com/office/powerpoint/2010/main" val="2908482751"/>
+      </p:ext>
+    </p:extLst>
+  </p:cSld>
+  <p:clrMapOvr>
+    <a:masterClrMapping/>
+  </p:clrMapOvr>
+</p:sld>
+</file>
+
+<file path=ppt/slides/slide3.xml><?xml version="1.0" encoding="utf-8"?>
+<p:sld xmlns:a="http://schemas.openxmlformats.org/drawingml/2006/main" xmlns:r="http://schemas.openxmlformats.org/officeDocument/2006/relationships" xmlns:p="http://schemas.openxmlformats.org/presentationml/2006/main">
+  <p:cSld>
+    <p:spTree>
+      <p:nvGrpSpPr>
+        <p:cNvPr id="1" name=""/>
+        <p:cNvGrpSpPr/>
+        <p:nvPr/>
+      </p:nvGrpSpPr>
+      <p:grpSpPr>
+        <a:xfrm>
+          <a:off x="0" y="0"/>
+          <a:ext cx="0" cy="0"/>
+          <a:chOff x="0" y="0"/>
+          <a:chExt cx="0" cy="0"/>
+        </a:xfrm>
+      </p:grpSpPr>
+      <p:sp>
+        <p:nvSpPr>
+          <p:cNvPr id="4" name="TextBox 3">
+            <a:extLst>
+              <a:ext uri="{FF2B5EF4-FFF2-40B4-BE49-F238E27FC236}">
+                <a16:creationId xmlns:a16="http://schemas.microsoft.com/office/drawing/2014/main" id="{CF6B7C92-EC3E-40D5-B9CF-3F8C2E0E7930}"/>
+              </a:ext>
+            </a:extLst>
+          </p:cNvPr>
+          <p:cNvSpPr txBox="1"/>
+          <p:nvPr/>
+        </p:nvSpPr>
+        <p:spPr>
+          <a:xfrm>
+            <a:off x="541538" y="311705"/>
+            <a:ext cx="4642168" cy="369332"/>
+          </a:xfrm>
+          <a:prstGeom prst="rect">
+            <a:avLst/>
+          </a:prstGeom>
+          <a:noFill/>
+        </p:spPr>
+        <p:txBody>
+          <a:bodyPr wrap="none" rtlCol="0">
+            <a:spAutoFit/>
+          </a:bodyPr>
+          <a:lstStyle/>
+          <a:p>
+            <a:r>
+              <a:rPr lang="en-US" dirty="0">
+                <a:solidFill>
+                  <a:srgbClr val="0070C0"/>
+                </a:solidFill>
+              </a:rPr>
+              <a:t>Case when attribute defined in system schema</a:t>
+            </a:r>
+            <a:endParaRPr lang="ru-RU" dirty="0">
+              <a:solidFill>
+                <a:srgbClr val="0070C0"/>
+              </a:solidFill>
+            </a:endParaRPr>
+          </a:p>
+        </p:txBody>
+      </p:sp>
+      <p:sp>
+        <p:nvSpPr>
+          <p:cNvPr id="5" name="TextBox 4">
+            <a:extLst>
+              <a:ext uri="{FF2B5EF4-FFF2-40B4-BE49-F238E27FC236}">
+                <a16:creationId xmlns:a16="http://schemas.microsoft.com/office/drawing/2014/main" id="{D320313F-9FE3-48F5-A71C-8602DAC0AE49}"/>
+              </a:ext>
+            </a:extLst>
+          </p:cNvPr>
+          <p:cNvSpPr txBox="1"/>
+          <p:nvPr/>
+        </p:nvSpPr>
+        <p:spPr>
+          <a:xfrm>
+            <a:off x="410525" y="757184"/>
+            <a:ext cx="11405653" cy="2308324"/>
+          </a:xfrm>
+          <a:prstGeom prst="rect">
+            <a:avLst/>
+          </a:prstGeom>
+          <a:noFill/>
+        </p:spPr>
+        <p:txBody>
+          <a:bodyPr wrap="square">
+            <a:spAutoFit/>
+          </a:bodyPr>
+          <a:lstStyle/>
+          <a:p>
+            <a:r>
+              <a:rPr lang="en-US" dirty="0"/>
+              <a:t> {</a:t>
+            </a:r>
+          </a:p>
+          <a:p>
+            <a:r>
+              <a:rPr lang="en-US" dirty="0"/>
+              <a:t>      "names": [</a:t>
+            </a:r>
+          </a:p>
+          <a:p>
+            <a:r>
+              <a:rPr lang="en-US" dirty="0"/>
+              <a:t>        “</a:t>
+            </a:r>
+            <a:r>
+              <a:rPr lang="en-US" dirty="0" err="1"/>
+              <a:t>userPassword</a:t>
+            </a:r>
+            <a:r>
+              <a:rPr lang="en-US" dirty="0"/>
+              <a:t>"</a:t>
+            </a:r>
+          </a:p>
+          <a:p>
+            <a:r>
+              <a:rPr lang="en-US" dirty="0"/>
+              <a:t>      ],</a:t>
+            </a:r>
+          </a:p>
+          <a:p>
+            <a:r>
+              <a:rPr lang="en-US" dirty="0"/>
+              <a:t>      "syntax": "1.3.6.1.4.1.1466.115.121.1.15",</a:t>
+            </a:r>
+          </a:p>
+          <a:p>
+            <a:r>
+              <a:rPr lang="en-US" dirty="0"/>
+              <a:t>      "</a:t>
+            </a:r>
+            <a:r>
+              <a:rPr lang="en-US" dirty="0" err="1"/>
+              <a:t>x_origin</a:t>
+            </a:r>
+            <a:r>
+              <a:rPr lang="en-US" dirty="0"/>
+              <a:t>": "</a:t>
+            </a:r>
+            <a:r>
+              <a:rPr lang="en-US" dirty="0" err="1"/>
+              <a:t>Jans</a:t>
+            </a:r>
+            <a:r>
+              <a:rPr lang="en-US" dirty="0"/>
+              <a:t> created attribute“,</a:t>
+            </a:r>
+          </a:p>
+          <a:p>
+            <a:r>
+              <a:rPr lang="en-US" dirty="0">
+                <a:solidFill>
+                  <a:srgbClr val="00B050"/>
+                </a:solidFill>
+              </a:rPr>
+              <a:t>      “</a:t>
+            </a:r>
+            <a:r>
+              <a:rPr lang="en-US" dirty="0" err="1">
+                <a:solidFill>
+                  <a:srgbClr val="00B050"/>
+                </a:solidFill>
+              </a:rPr>
+              <a:t>db_data_type</a:t>
+            </a:r>
+            <a:r>
+              <a:rPr lang="en-US" dirty="0">
+                <a:solidFill>
+                  <a:srgbClr val="00B050"/>
+                </a:solidFill>
+              </a:rPr>
+              <a:t>": {“</a:t>
+            </a:r>
+            <a:r>
+              <a:rPr lang="en-US" dirty="0" err="1">
+                <a:solidFill>
+                  <a:srgbClr val="00B050"/>
+                </a:solidFill>
+              </a:rPr>
+              <a:t>db</a:t>
+            </a:r>
+            <a:r>
+              <a:rPr lang="en-US" dirty="0">
+                <a:solidFill>
+                  <a:srgbClr val="00B050"/>
+                </a:solidFill>
+              </a:rPr>
+              <a:t>” : “</a:t>
+            </a:r>
+            <a:r>
+              <a:rPr lang="en-US" dirty="0" err="1">
+                <a:solidFill>
+                  <a:srgbClr val="00B050"/>
+                </a:solidFill>
+              </a:rPr>
+              <a:t>mysql</a:t>
+            </a:r>
+            <a:r>
+              <a:rPr lang="en-US" dirty="0">
+                <a:solidFill>
+                  <a:srgbClr val="00B050"/>
+                </a:solidFill>
+              </a:rPr>
+              <a:t>”, “type” : “VARCHAR”, “size” : 63}</a:t>
+            </a:r>
+          </a:p>
+          <a:p>
+            <a:r>
+              <a:rPr lang="en-US" dirty="0"/>
+              <a:t>    },</a:t>
+            </a:r>
+          </a:p>
+        </p:txBody>
+      </p:sp>
+    </p:spTree>
+    <p:extLst>
+      <p:ext uri="{BB962C8B-B14F-4D97-AF65-F5344CB8AC3E}">
+        <p14:creationId xmlns:p14="http://schemas.microsoft.com/office/powerpoint/2010/main" val="3296106398"/>
+      </p:ext>
+    </p:extLst>
+  </p:cSld>
+  <p:clrMapOvr>
+    <a:masterClrMapping/>
+  </p:clrMapOvr>
+</p:sld>
+</file>
+
+<file path=ppt/slides/slide4.xml><?xml version="1.0" encoding="utf-8"?>
+<p:sld xmlns:a="http://schemas.openxmlformats.org/drawingml/2006/main" xmlns:r="http://schemas.openxmlformats.org/officeDocument/2006/relationships" xmlns:p="http://schemas.openxmlformats.org/presentationml/2006/main">
+  <p:cSld>
+    <p:spTree>
+      <p:nvGrpSpPr>
+        <p:cNvPr id="1" name=""/>
+        <p:cNvGrpSpPr/>
+        <p:nvPr/>
+      </p:nvGrpSpPr>
+      <p:grpSpPr>
+        <a:xfrm>
+          <a:off x="0" y="0"/>
+          <a:ext cx="0" cy="0"/>
+          <a:chOff x="0" y="0"/>
+          <a:chExt cx="0" cy="0"/>
+        </a:xfrm>
+      </p:grpSpPr>
+      <p:sp>
+        <p:nvSpPr>
+          <p:cNvPr id="4" name="TextBox 3">
+            <a:extLst>
+              <a:ext uri="{FF2B5EF4-FFF2-40B4-BE49-F238E27FC236}">
+                <a16:creationId xmlns:a16="http://schemas.microsoft.com/office/drawing/2014/main" id="{27F658F4-C31D-4AFB-99EA-BD8D2654D07F}"/>
+              </a:ext>
+            </a:extLst>
+          </p:cNvPr>
+          <p:cNvSpPr txBox="1"/>
+          <p:nvPr/>
+        </p:nvSpPr>
+        <p:spPr>
+          <a:xfrm>
+            <a:off x="541538" y="311705"/>
+            <a:ext cx="1633909" cy="369332"/>
+          </a:xfrm>
+          <a:prstGeom prst="rect">
+            <a:avLst/>
+          </a:prstGeom>
+          <a:noFill/>
+        </p:spPr>
+        <p:txBody>
+          <a:bodyPr wrap="none" rtlCol="0">
+            <a:spAutoFit/>
+          </a:bodyPr>
+          <a:lstStyle/>
+          <a:p>
+            <a:r>
+              <a:rPr lang="en-US" dirty="0">
+                <a:solidFill>
+                  <a:srgbClr val="0070C0"/>
+                </a:solidFill>
+              </a:rPr>
+              <a:t>JSON attributes</a:t>
+            </a:r>
+            <a:endParaRPr lang="ru-RU" dirty="0">
+              <a:solidFill>
+                <a:srgbClr val="0070C0"/>
+              </a:solidFill>
+            </a:endParaRPr>
+          </a:p>
+        </p:txBody>
+      </p:sp>
+      <p:sp>
+        <p:nvSpPr>
+          <p:cNvPr id="5" name="TextBox 4">
+            <a:extLst>
+              <a:ext uri="{FF2B5EF4-FFF2-40B4-BE49-F238E27FC236}">
+                <a16:creationId xmlns:a16="http://schemas.microsoft.com/office/drawing/2014/main" id="{CB2AE431-044D-49E8-88DE-A0B2886D4A8F}"/>
+              </a:ext>
+            </a:extLst>
+          </p:cNvPr>
+          <p:cNvSpPr txBox="1"/>
+          <p:nvPr/>
+        </p:nvSpPr>
+        <p:spPr>
+          <a:xfrm>
+            <a:off x="393173" y="757184"/>
+            <a:ext cx="11405653" cy="2308324"/>
+          </a:xfrm>
+          <a:prstGeom prst="rect">
+            <a:avLst/>
+          </a:prstGeom>
+          <a:noFill/>
+        </p:spPr>
+        <p:txBody>
+          <a:bodyPr wrap="square">
+            <a:spAutoFit/>
+          </a:bodyPr>
+          <a:lstStyle/>
+          <a:p>
+            <a:r>
+              <a:rPr lang="en-US" dirty="0"/>
+              <a:t>In order to avoid MySQL limitation:</a:t>
+            </a:r>
+          </a:p>
+          <a:p>
+            <a:r>
+              <a:rPr lang="en-US" dirty="0">
+                <a:solidFill>
+                  <a:srgbClr val="FF0000"/>
+                </a:solidFill>
+              </a:rPr>
+              <a:t>Error Code: 1235. This version of MySQL doesn't yet support 'CAST-</a:t>
+            </a:r>
+            <a:r>
+              <a:rPr lang="en-US" dirty="0" err="1">
+                <a:solidFill>
+                  <a:srgbClr val="FF0000"/>
+                </a:solidFill>
+              </a:rPr>
+              <a:t>ing</a:t>
+            </a:r>
+            <a:r>
+              <a:rPr lang="en-US" dirty="0">
+                <a:solidFill>
+                  <a:srgbClr val="FF0000"/>
+                </a:solidFill>
+              </a:rPr>
+              <a:t> JSON OBJECT type to array'	0.047 sec</a:t>
+            </a:r>
+          </a:p>
+          <a:p>
+            <a:endParaRPr lang="en-US" dirty="0"/>
+          </a:p>
+          <a:p>
+            <a:r>
+              <a:rPr lang="en-US" dirty="0"/>
+              <a:t>SQL ORM stores data in JSON in next format instead of storing them as JSON array:</a:t>
+            </a:r>
+          </a:p>
+          <a:p>
+            <a:r>
+              <a:rPr lang="en-US" dirty="0">
+                <a:solidFill>
+                  <a:srgbClr val="00B050"/>
+                </a:solidFill>
+              </a:rPr>
+              <a:t>'{"v": [94582,94536]}’</a:t>
+            </a:r>
+          </a:p>
+          <a:p>
+            <a:r>
+              <a:rPr lang="en-US" dirty="0">
+                <a:solidFill>
+                  <a:srgbClr val="00B050"/>
+                </a:solidFill>
+              </a:rPr>
+              <a:t>'{"v": [2021-02-01T21:18:28.382, 2021-03-01T21:18:28.382]}’</a:t>
+            </a:r>
+          </a:p>
+          <a:p>
+            <a:r>
+              <a:rPr lang="en-US" dirty="0">
+                <a:solidFill>
+                  <a:srgbClr val="00B050"/>
+                </a:solidFill>
+              </a:rPr>
+              <a:t>'{"v": [“value_1", “value_2"]}'</a:t>
+            </a:r>
+          </a:p>
+          <a:p>
+            <a:endParaRPr lang="en-US" dirty="0">
+              <a:solidFill>
+                <a:srgbClr val="00B050"/>
+              </a:solidFill>
+            </a:endParaRPr>
+          </a:p>
+        </p:txBody>
+      </p:sp>
+    </p:spTree>
+    <p:extLst>
+      <p:ext uri="{BB962C8B-B14F-4D97-AF65-F5344CB8AC3E}">
+        <p14:creationId xmlns:p14="http://schemas.microsoft.com/office/powerpoint/2010/main" val="939955687"/>
+      </p:ext>
+    </p:extLst>
+  </p:cSld>
+  <p:clrMapOvr>
+    <a:masterClrMapping/>
+  </p:clrMapOvr>
+</p:sld>
+</file>
+
+<file path=ppt/slides/slide5.xml><?xml version="1.0" encoding="utf-8"?>
+<p:sld xmlns:a="http://schemas.openxmlformats.org/drawingml/2006/main" xmlns:r="http://schemas.openxmlformats.org/officeDocument/2006/relationships" xmlns:p="http://schemas.openxmlformats.org/presentationml/2006/main">
+  <p:cSld>
+    <p:spTree>
+      <p:nvGrpSpPr>
+        <p:cNvPr id="1" name=""/>
+        <p:cNvGrpSpPr/>
+        <p:nvPr/>
+      </p:nvGrpSpPr>
+      <p:grpSpPr>
+        <a:xfrm>
+          <a:off x="0" y="0"/>
+          <a:ext cx="0" cy="0"/>
+          <a:chOff x="0" y="0"/>
+          <a:chExt cx="0" cy="0"/>
+        </a:xfrm>
+      </p:grpSpPr>
+      <p:sp>
+        <p:nvSpPr>
+          <p:cNvPr id="4" name="TextBox 3">
+            <a:extLst>
+              <a:ext uri="{FF2B5EF4-FFF2-40B4-BE49-F238E27FC236}">
+                <a16:creationId xmlns:a16="http://schemas.microsoft.com/office/drawing/2014/main" id="{EB18B77D-53F7-489C-AF9E-DB01995EC850}"/>
+              </a:ext>
+            </a:extLst>
+          </p:cNvPr>
+          <p:cNvSpPr txBox="1"/>
+          <p:nvPr/>
+        </p:nvSpPr>
+        <p:spPr>
+          <a:xfrm>
+            <a:off x="488272" y="331186"/>
+            <a:ext cx="1425455" cy="369332"/>
+          </a:xfrm>
+          <a:prstGeom prst="rect">
+            <a:avLst/>
+          </a:prstGeom>
+          <a:noFill/>
+        </p:spPr>
+        <p:txBody>
+          <a:bodyPr wrap="none" rtlCol="0">
+            <a:spAutoFit/>
+          </a:bodyPr>
+          <a:lstStyle/>
+          <a:p>
+            <a:r>
+              <a:rPr lang="en-US" dirty="0">
+                <a:solidFill>
+                  <a:srgbClr val="0070C0"/>
+                </a:solidFill>
+              </a:rPr>
+              <a:t>JSON indexes</a:t>
+            </a:r>
+            <a:endParaRPr lang="ru-RU" dirty="0">
+              <a:solidFill>
+                <a:srgbClr val="0070C0"/>
+              </a:solidFill>
+            </a:endParaRPr>
+          </a:p>
+        </p:txBody>
+      </p:sp>
+      <p:sp>
+        <p:nvSpPr>
+          <p:cNvPr id="5" name="TextBox 4">
+            <a:extLst>
+              <a:ext uri="{FF2B5EF4-FFF2-40B4-BE49-F238E27FC236}">
+                <a16:creationId xmlns:a16="http://schemas.microsoft.com/office/drawing/2014/main" id="{81408887-8612-47BD-A233-952BAD289EE7}"/>
+              </a:ext>
+            </a:extLst>
+          </p:cNvPr>
+          <p:cNvSpPr txBox="1"/>
+          <p:nvPr/>
+        </p:nvSpPr>
+        <p:spPr>
+          <a:xfrm>
+            <a:off x="393173" y="700518"/>
+            <a:ext cx="11405653" cy="5909310"/>
+          </a:xfrm>
+          <a:prstGeom prst="rect">
+            <a:avLst/>
+          </a:prstGeom>
+          <a:noFill/>
+        </p:spPr>
+        <p:txBody>
+          <a:bodyPr wrap="square">
+            <a:spAutoFit/>
+          </a:bodyPr>
+          <a:lstStyle/>
+          <a:p>
+            <a:r>
+              <a:rPr lang="en-US" dirty="0"/>
+              <a:t>This index will be used to check if array contains specific value </a:t>
+            </a:r>
+          </a:p>
+          <a:p>
+            <a:r>
+              <a:rPr lang="en-US" dirty="0">
+                <a:solidFill>
+                  <a:srgbClr val="00B050"/>
+                </a:solidFill>
+              </a:rPr>
+              <a:t>ALTER TABLE </a:t>
+            </a:r>
+            <a:r>
+              <a:rPr lang="en-US" dirty="0" err="1">
+                <a:solidFill>
+                  <a:srgbClr val="00B050"/>
+                </a:solidFill>
+              </a:rPr>
+              <a:t>jans.jansPerson</a:t>
+            </a:r>
+            <a:r>
+              <a:rPr lang="en-US" dirty="0">
+                <a:solidFill>
+                  <a:srgbClr val="00B050"/>
+                </a:solidFill>
+              </a:rPr>
+              <a:t> ADD INDEX </a:t>
+            </a:r>
+            <a:r>
+              <a:rPr lang="en-US" dirty="0" err="1">
+                <a:solidFill>
+                  <a:srgbClr val="00B050"/>
+                </a:solidFill>
+              </a:rPr>
+              <a:t>jansExtUidValues</a:t>
+            </a:r>
+            <a:r>
+              <a:rPr lang="en-US" dirty="0">
+                <a:solidFill>
+                  <a:srgbClr val="00B050"/>
+                </a:solidFill>
+              </a:rPr>
+              <a:t>( (CAST(</a:t>
+            </a:r>
+            <a:r>
+              <a:rPr lang="en-US" dirty="0" err="1">
+                <a:solidFill>
+                  <a:srgbClr val="00B050"/>
+                </a:solidFill>
+              </a:rPr>
+              <a:t>jansExtUid</a:t>
+            </a:r>
+            <a:r>
+              <a:rPr lang="en-US" dirty="0">
+                <a:solidFill>
+                  <a:srgbClr val="00B050"/>
+                </a:solidFill>
+              </a:rPr>
+              <a:t>-&gt;’$.v' AS UNSIGNED ARRAY)) );</a:t>
+            </a:r>
+          </a:p>
+          <a:p>
+            <a:endParaRPr lang="en-US" dirty="0">
+              <a:solidFill>
+                <a:srgbClr val="00B050"/>
+              </a:solidFill>
+            </a:endParaRPr>
+          </a:p>
+          <a:p>
+            <a:r>
+              <a:rPr lang="en-US" dirty="0">
+                <a:solidFill>
+                  <a:srgbClr val="00B050"/>
+                </a:solidFill>
+              </a:rPr>
+              <a:t>UNSIGNED</a:t>
+            </a:r>
+            <a:r>
+              <a:rPr lang="en-US" dirty="0"/>
+              <a:t> is used here as reference. Instead of it valid data type should be used.</a:t>
+            </a:r>
+          </a:p>
+          <a:p>
+            <a:endParaRPr lang="en-US" dirty="0"/>
+          </a:p>
+          <a:p>
+            <a:r>
+              <a:rPr lang="en-US" dirty="0"/>
+              <a:t>Sample query:</a:t>
+            </a:r>
+          </a:p>
+          <a:p>
+            <a:r>
+              <a:rPr lang="en-US" dirty="0">
+                <a:solidFill>
+                  <a:schemeClr val="accent1"/>
+                </a:solidFill>
+              </a:rPr>
+              <a:t>SELECT COUNT(*) FROM </a:t>
+            </a:r>
+            <a:r>
+              <a:rPr lang="en-US" dirty="0" err="1">
+                <a:solidFill>
+                  <a:schemeClr val="accent1"/>
+                </a:solidFill>
+              </a:rPr>
+              <a:t>jans.jansPerson</a:t>
+            </a:r>
+            <a:r>
+              <a:rPr lang="en-US" dirty="0">
+                <a:solidFill>
+                  <a:schemeClr val="accent1"/>
+                </a:solidFill>
+              </a:rPr>
+              <a:t> doc</a:t>
+            </a:r>
+          </a:p>
+          <a:p>
+            <a:r>
+              <a:rPr lang="en-US" dirty="0">
+                <a:solidFill>
+                  <a:schemeClr val="accent1"/>
+                </a:solidFill>
+              </a:rPr>
+              <a:t>WHERE </a:t>
+            </a:r>
+            <a:r>
+              <a:rPr lang="en-US" dirty="0" err="1">
+                <a:solidFill>
+                  <a:schemeClr val="accent1"/>
+                </a:solidFill>
+              </a:rPr>
+              <a:t>doc.objectClass</a:t>
+            </a:r>
+            <a:r>
+              <a:rPr lang="en-US" dirty="0">
+                <a:solidFill>
+                  <a:schemeClr val="accent1"/>
+                </a:solidFill>
+              </a:rPr>
+              <a:t> = '</a:t>
+            </a:r>
+            <a:r>
+              <a:rPr lang="en-US" dirty="0" err="1">
+                <a:solidFill>
+                  <a:schemeClr val="accent1"/>
+                </a:solidFill>
+              </a:rPr>
+              <a:t>jansPerson</a:t>
+            </a:r>
+            <a:r>
+              <a:rPr lang="en-US" dirty="0">
+                <a:solidFill>
+                  <a:schemeClr val="accent1"/>
+                </a:solidFill>
+              </a:rPr>
+              <a:t>' AND JSON_CONTAINS(doc. </a:t>
+            </a:r>
+            <a:r>
+              <a:rPr lang="en-US" dirty="0" err="1">
+                <a:solidFill>
+                  <a:schemeClr val="accent1"/>
+                </a:solidFill>
+              </a:rPr>
+              <a:t>jansExtUid</a:t>
+            </a:r>
+            <a:r>
+              <a:rPr lang="en-US" dirty="0">
+                <a:solidFill>
+                  <a:schemeClr val="accent1"/>
+                </a:solidFill>
+              </a:rPr>
+              <a:t>, CAST(‘[243]' AS JSON), ‘$.v')</a:t>
+            </a:r>
+          </a:p>
+          <a:p>
+            <a:endParaRPr lang="en-US" dirty="0">
+              <a:solidFill>
+                <a:srgbClr val="00B050"/>
+              </a:solidFill>
+            </a:endParaRPr>
+          </a:p>
+          <a:p>
+            <a:r>
+              <a:rPr lang="en-US" dirty="0"/>
+              <a:t>This index is need to compare specific value from array </a:t>
+            </a:r>
+          </a:p>
+          <a:p>
+            <a:r>
+              <a:rPr lang="en-US" dirty="0">
+                <a:solidFill>
+                  <a:srgbClr val="00B050"/>
+                </a:solidFill>
+              </a:rPr>
+              <a:t>ALTER TABLE </a:t>
+            </a:r>
+            <a:r>
+              <a:rPr lang="en-US" dirty="0" err="1">
+                <a:solidFill>
+                  <a:srgbClr val="00B050"/>
+                </a:solidFill>
+              </a:rPr>
+              <a:t>jans.jansPerson</a:t>
+            </a:r>
+            <a:r>
+              <a:rPr lang="en-US" dirty="0">
+                <a:solidFill>
+                  <a:srgbClr val="00B050"/>
+                </a:solidFill>
+              </a:rPr>
+              <a:t> ADD INDEX jansExtUidValue0( (CAST(</a:t>
+            </a:r>
+            <a:r>
+              <a:rPr lang="en-US" dirty="0" err="1">
+                <a:solidFill>
+                  <a:srgbClr val="00B050"/>
+                </a:solidFill>
+              </a:rPr>
+              <a:t>jansExtUid</a:t>
+            </a:r>
+            <a:r>
+              <a:rPr lang="en-US" dirty="0">
+                <a:solidFill>
+                  <a:srgbClr val="00B050"/>
+                </a:solidFill>
+              </a:rPr>
+              <a:t>-&gt;’$.v[0]' AS UNSIGNED)) );</a:t>
+            </a:r>
+          </a:p>
+          <a:p>
+            <a:r>
+              <a:rPr lang="en-US" dirty="0">
+                <a:solidFill>
+                  <a:srgbClr val="00B050"/>
+                </a:solidFill>
+              </a:rPr>
+              <a:t>ALTER TABLE </a:t>
+            </a:r>
+            <a:r>
+              <a:rPr lang="en-US" dirty="0" err="1">
+                <a:solidFill>
+                  <a:srgbClr val="00B050"/>
+                </a:solidFill>
+              </a:rPr>
+              <a:t>jans.jansPerson</a:t>
+            </a:r>
+            <a:r>
+              <a:rPr lang="en-US" dirty="0">
+                <a:solidFill>
+                  <a:srgbClr val="00B050"/>
+                </a:solidFill>
+              </a:rPr>
+              <a:t> ADD INDEX jansExtUidValue1( (CAST(</a:t>
+            </a:r>
+            <a:r>
+              <a:rPr lang="en-US" dirty="0" err="1">
+                <a:solidFill>
+                  <a:srgbClr val="00B050"/>
+                </a:solidFill>
+              </a:rPr>
+              <a:t>jansExtUid</a:t>
+            </a:r>
+            <a:r>
+              <a:rPr lang="en-US" dirty="0">
+                <a:solidFill>
+                  <a:srgbClr val="00B050"/>
+                </a:solidFill>
+              </a:rPr>
+              <a:t>-&gt;’$.v[0]' AS UNSIGNED)) );</a:t>
+            </a:r>
+          </a:p>
+          <a:p>
+            <a:r>
+              <a:rPr lang="en-US" dirty="0">
+                <a:solidFill>
+                  <a:srgbClr val="00B050"/>
+                </a:solidFill>
+              </a:rPr>
+              <a:t>ALTER TABLE </a:t>
+            </a:r>
+            <a:r>
+              <a:rPr lang="en-US" dirty="0" err="1">
+                <a:solidFill>
+                  <a:srgbClr val="00B050"/>
+                </a:solidFill>
+              </a:rPr>
+              <a:t>jans.jansPerson</a:t>
+            </a:r>
+            <a:r>
+              <a:rPr lang="en-US" dirty="0">
+                <a:solidFill>
+                  <a:srgbClr val="00B050"/>
+                </a:solidFill>
+              </a:rPr>
+              <a:t> ADD INDEX jansExtUidValue2( (CAST(</a:t>
+            </a:r>
+            <a:r>
+              <a:rPr lang="en-US" dirty="0" err="1">
+                <a:solidFill>
+                  <a:srgbClr val="00B050"/>
+                </a:solidFill>
+              </a:rPr>
+              <a:t>jansExtUid</a:t>
+            </a:r>
+            <a:r>
+              <a:rPr lang="en-US" dirty="0">
+                <a:solidFill>
+                  <a:srgbClr val="00B050"/>
+                </a:solidFill>
+              </a:rPr>
+              <a:t>-&gt;’$.v[0]' AS UNSIGNED)) );</a:t>
+            </a:r>
+          </a:p>
+          <a:p>
+            <a:endParaRPr lang="en-US" dirty="0">
+              <a:solidFill>
+                <a:srgbClr val="00B050"/>
+              </a:solidFill>
+            </a:endParaRPr>
+          </a:p>
+          <a:p>
+            <a:r>
+              <a:rPr lang="en-US" dirty="0"/>
+              <a:t>This index setup should create for first 3 elements of array only. Admin can add indexes for next elements later if needed.</a:t>
+            </a:r>
+          </a:p>
+          <a:p>
+            <a:endParaRPr lang="en-US" dirty="0"/>
+          </a:p>
+          <a:p>
+            <a:r>
+              <a:rPr lang="en-US" dirty="0"/>
+              <a:t>Sample query:</a:t>
+            </a:r>
+          </a:p>
+          <a:p>
+            <a:r>
+              <a:rPr lang="en-US" dirty="0">
+                <a:solidFill>
+                  <a:schemeClr val="accent1"/>
+                </a:solidFill>
+              </a:rPr>
+              <a:t>SELECT COUNT(*) FROM </a:t>
+            </a:r>
+            <a:r>
+              <a:rPr lang="en-US" dirty="0" err="1">
+                <a:solidFill>
+                  <a:schemeClr val="accent1"/>
+                </a:solidFill>
+              </a:rPr>
+              <a:t>jans.jansPerson</a:t>
+            </a:r>
+            <a:r>
+              <a:rPr lang="en-US" dirty="0">
+                <a:solidFill>
+                  <a:schemeClr val="accent1"/>
+                </a:solidFill>
+              </a:rPr>
+              <a:t> doc</a:t>
+            </a:r>
+          </a:p>
+          <a:p>
+            <a:r>
+              <a:rPr lang="en-US" dirty="0">
+                <a:solidFill>
+                  <a:schemeClr val="accent1"/>
+                </a:solidFill>
+              </a:rPr>
+              <a:t>WHERE </a:t>
+            </a:r>
+            <a:r>
+              <a:rPr lang="en-US" dirty="0" err="1">
+                <a:solidFill>
+                  <a:schemeClr val="accent1"/>
+                </a:solidFill>
+              </a:rPr>
+              <a:t>doc.objectClass</a:t>
+            </a:r>
+            <a:r>
+              <a:rPr lang="en-US" dirty="0">
+                <a:solidFill>
+                  <a:schemeClr val="accent1"/>
+                </a:solidFill>
+              </a:rPr>
+              <a:t> = '</a:t>
+            </a:r>
+            <a:r>
+              <a:rPr lang="en-US" dirty="0" err="1">
+                <a:solidFill>
+                  <a:schemeClr val="accent1"/>
+                </a:solidFill>
+              </a:rPr>
+              <a:t>jansPerson</a:t>
+            </a:r>
+            <a:r>
+              <a:rPr lang="en-US" dirty="0">
+                <a:solidFill>
+                  <a:schemeClr val="accent1"/>
+                </a:solidFill>
+              </a:rPr>
+              <a:t>' AND </a:t>
+            </a:r>
+            <a:r>
+              <a:rPr lang="nl-NL" dirty="0">
+                <a:solidFill>
+                  <a:schemeClr val="accent1"/>
+                </a:solidFill>
+              </a:rPr>
+              <a:t>jansExtUid-&gt;’$.v[0]'  &gt; 3 or jansExtUid-&gt;’$.v[1]'  &gt; 3 or jansExtUid-&gt;’$.v[2]'  &gt; 3</a:t>
+            </a:r>
+            <a:endParaRPr lang="en-US" dirty="0">
+              <a:solidFill>
+                <a:schemeClr val="accent1"/>
+              </a:solidFill>
+            </a:endParaRPr>
+          </a:p>
+          <a:p>
+            <a:endParaRPr lang="en-US" dirty="0"/>
+          </a:p>
+        </p:txBody>
+      </p:sp>
+    </p:spTree>
+    <p:extLst>
+      <p:ext uri="{BB962C8B-B14F-4D97-AF65-F5344CB8AC3E}">
+        <p14:creationId xmlns:p14="http://schemas.microsoft.com/office/powerpoint/2010/main" val="944521072"/>
       </p:ext>
     </p:extLst>
   </p:cSld>

--- a/sql/docs/Schema to SQL mapping.pptx
+++ b/sql/docs/Schema to SQL mapping.pptx
@@ -5745,7 +5745,7 @@
                   <a:srgbClr val="00B050"/>
                 </a:solidFill>
               </a:rPr>
-              <a:t>-&gt;’$.v[0]' AS UNSIGNED)) );</a:t>
+              <a:t>-&gt;’$.v[1]' AS UNSIGNED)) );</a:t>
             </a:r>
           </a:p>
           <a:p>
@@ -5787,7 +5787,23 @@
                   <a:srgbClr val="00B050"/>
                 </a:solidFill>
               </a:rPr>
-              <a:t>-&gt;’$.v[0]' AS UNSIGNED)) );</a:t>
+              <a:t>-&gt;’$.</a:t>
+            </a:r>
+            <a:r>
+              <a:rPr lang="en-US">
+                <a:solidFill>
+                  <a:srgbClr val="00B050"/>
+                </a:solidFill>
+              </a:rPr>
+              <a:t>v[2]' </a:t>
+            </a:r>
+            <a:r>
+              <a:rPr lang="en-US" dirty="0">
+                <a:solidFill>
+                  <a:srgbClr val="00B050"/>
+                </a:solidFill>
+              </a:rPr>
+              <a:t>AS UNSIGNED)) );</a:t>
             </a:r>
           </a:p>
           <a:p>

--- a/sql/docs/Schema to SQL mapping.pptx
+++ b/sql/docs/Schema to SQL mapping.pptx
@@ -5461,7 +5461,7 @@
         <p:spPr>
           <a:xfrm>
             <a:off x="393173" y="700518"/>
-            <a:ext cx="11405653" cy="5909310"/>
+            <a:ext cx="11405653" cy="6186309"/>
           </a:xfrm>
           <a:prstGeom prst="rect">
             <a:avLst/>
@@ -5538,6 +5538,32 @@
             </a:r>
           </a:p>
           <a:p>
+            <a:r>
+              <a:rPr lang="en-US" dirty="0">
+                <a:solidFill>
+                  <a:srgbClr val="00B050"/>
+                </a:solidFill>
+              </a:rPr>
+              <a:t>ALTER TABLE </a:t>
+            </a:r>
+            <a:r>
+              <a:rPr lang="en-US" dirty="0" err="1">
+                <a:solidFill>
+                  <a:srgbClr val="00B050"/>
+                </a:solidFill>
+              </a:rPr>
+              <a:t>jans.jansPerson</a:t>
+            </a:r>
+            <a:r>
+              <a:rPr lang="en-US" dirty="0">
+                <a:solidFill>
+                  <a:srgbClr val="00B050"/>
+                </a:solidFill>
+              </a:rPr>
+              <a:t> ADD INDEX address( (CAST(address-&gt;'$.v' AS CHAR(48)  ARRAY)) );</a:t>
+            </a:r>
+          </a:p>
+          <a:p>
             <a:endParaRPr lang="en-US" dirty="0">
               <a:solidFill>
                 <a:srgbClr val="00B050"/>
@@ -5551,11 +5577,11 @@
                   <a:srgbClr val="00B050"/>
                 </a:solidFill>
               </a:rPr>
-              <a:t>UNSIGNED</a:t>
+              <a:t>UNSIGNED/ CHAR(48)</a:t>
             </a:r>
             <a:r>
               <a:rPr lang="en-US" dirty="0"/>
-              <a:t> is used here as reference. Instead of it valid data type should be used.</a:t>
+              <a:t> are used here as reference. Instead of it valid data type should be used.</a:t>
             </a:r>
           </a:p>
           <a:p>
@@ -5648,7 +5674,7 @@
                   <a:schemeClr val="accent1"/>
                 </a:solidFill>
               </a:rPr>
-              <a:t>, CAST(‘[243]' AS JSON), ‘$.v')</a:t>
+              <a:t>-&gt;'$.v', CAST(‘[243]' AS JSON))</a:t>
             </a:r>
           </a:p>
           <a:p>
@@ -5787,23 +5813,7 @@
                   <a:srgbClr val="00B050"/>
                 </a:solidFill>
               </a:rPr>
-              <a:t>-&gt;’$.</a:t>
-            </a:r>
-            <a:r>
-              <a:rPr lang="en-US">
-                <a:solidFill>
-                  <a:srgbClr val="00B050"/>
-                </a:solidFill>
-              </a:rPr>
-              <a:t>v[2]' </a:t>
-            </a:r>
-            <a:r>
-              <a:rPr lang="en-US" dirty="0">
-                <a:solidFill>
-                  <a:srgbClr val="00B050"/>
-                </a:solidFill>
-              </a:rPr>
-              <a:t>AS UNSIGNED)) );</a:t>
+              <a:t>-&gt;’$.v[2]' AS UNSIGNED)) );</a:t>
             </a:r>
           </a:p>
           <a:p>

--- a/sql/docs/Schema to SQL mapping.pptx
+++ b/sql/docs/Schema to SQL mapping.pptx
@@ -7,9 +7,8 @@
   <p:sldIdLst>
     <p:sldId id="256" r:id="rId2"/>
     <p:sldId id="257" r:id="rId3"/>
-    <p:sldId id="258" r:id="rId4"/>
-    <p:sldId id="259" r:id="rId5"/>
-    <p:sldId id="260" r:id="rId6"/>
+    <p:sldId id="259" r:id="rId4"/>
+    <p:sldId id="260" r:id="rId5"/>
   </p:sldIdLst>
   <p:sldSz cx="12192000" cy="6858000"/>
   <p:notesSz cx="6858000" cy="9144000"/>
@@ -263,7 +262,7 @@
           <a:p>
             <a:fld id="{2E9031DC-C975-4EBE-91A0-7CB3CA4CC294}" type="datetimeFigureOut">
               <a:rPr lang="ru-RU" smtClean="0"/>
-              <a:t>03.02.2021</a:t>
+              <a:t>21.04.2021</a:t>
             </a:fld>
             <a:endParaRPr lang="ru-RU"/>
           </a:p>
@@ -461,7 +460,7 @@
           <a:p>
             <a:fld id="{2E9031DC-C975-4EBE-91A0-7CB3CA4CC294}" type="datetimeFigureOut">
               <a:rPr lang="ru-RU" smtClean="0"/>
-              <a:t>03.02.2021</a:t>
+              <a:t>21.04.2021</a:t>
             </a:fld>
             <a:endParaRPr lang="ru-RU"/>
           </a:p>
@@ -669,7 +668,7 @@
           <a:p>
             <a:fld id="{2E9031DC-C975-4EBE-91A0-7CB3CA4CC294}" type="datetimeFigureOut">
               <a:rPr lang="ru-RU" smtClean="0"/>
-              <a:t>03.02.2021</a:t>
+              <a:t>21.04.2021</a:t>
             </a:fld>
             <a:endParaRPr lang="ru-RU"/>
           </a:p>
@@ -867,7 +866,7 @@
           <a:p>
             <a:fld id="{2E9031DC-C975-4EBE-91A0-7CB3CA4CC294}" type="datetimeFigureOut">
               <a:rPr lang="ru-RU" smtClean="0"/>
-              <a:t>03.02.2021</a:t>
+              <a:t>21.04.2021</a:t>
             </a:fld>
             <a:endParaRPr lang="ru-RU"/>
           </a:p>
@@ -1142,7 +1141,7 @@
           <a:p>
             <a:fld id="{2E9031DC-C975-4EBE-91A0-7CB3CA4CC294}" type="datetimeFigureOut">
               <a:rPr lang="ru-RU" smtClean="0"/>
-              <a:t>03.02.2021</a:t>
+              <a:t>21.04.2021</a:t>
             </a:fld>
             <a:endParaRPr lang="ru-RU"/>
           </a:p>
@@ -1407,7 +1406,7 @@
           <a:p>
             <a:fld id="{2E9031DC-C975-4EBE-91A0-7CB3CA4CC294}" type="datetimeFigureOut">
               <a:rPr lang="ru-RU" smtClean="0"/>
-              <a:t>03.02.2021</a:t>
+              <a:t>21.04.2021</a:t>
             </a:fld>
             <a:endParaRPr lang="ru-RU"/>
           </a:p>
@@ -1819,7 +1818,7 @@
           <a:p>
             <a:fld id="{2E9031DC-C975-4EBE-91A0-7CB3CA4CC294}" type="datetimeFigureOut">
               <a:rPr lang="ru-RU" smtClean="0"/>
-              <a:t>03.02.2021</a:t>
+              <a:t>21.04.2021</a:t>
             </a:fld>
             <a:endParaRPr lang="ru-RU"/>
           </a:p>
@@ -1960,7 +1959,7 @@
           <a:p>
             <a:fld id="{2E9031DC-C975-4EBE-91A0-7CB3CA4CC294}" type="datetimeFigureOut">
               <a:rPr lang="ru-RU" smtClean="0"/>
-              <a:t>03.02.2021</a:t>
+              <a:t>21.04.2021</a:t>
             </a:fld>
             <a:endParaRPr lang="ru-RU"/>
           </a:p>
@@ -2073,7 +2072,7 @@
           <a:p>
             <a:fld id="{2E9031DC-C975-4EBE-91A0-7CB3CA4CC294}" type="datetimeFigureOut">
               <a:rPr lang="ru-RU" smtClean="0"/>
-              <a:t>03.02.2021</a:t>
+              <a:t>21.04.2021</a:t>
             </a:fld>
             <a:endParaRPr lang="ru-RU"/>
           </a:p>
@@ -2384,7 +2383,7 @@
           <a:p>
             <a:fld id="{2E9031DC-C975-4EBE-91A0-7CB3CA4CC294}" type="datetimeFigureOut">
               <a:rPr lang="ru-RU" smtClean="0"/>
-              <a:t>03.02.2021</a:t>
+              <a:t>21.04.2021</a:t>
             </a:fld>
             <a:endParaRPr lang="ru-RU"/>
           </a:p>
@@ -2672,7 +2671,7 @@
           <a:p>
             <a:fld id="{2E9031DC-C975-4EBE-91A0-7CB3CA4CC294}" type="datetimeFigureOut">
               <a:rPr lang="ru-RU" smtClean="0"/>
-              <a:t>03.02.2021</a:t>
+              <a:t>21.04.2021</a:t>
             </a:fld>
             <a:endParaRPr lang="ru-RU"/>
           </a:p>
@@ -2913,7 +2912,7 @@
           <a:p>
             <a:fld id="{2E9031DC-C975-4EBE-91A0-7CB3CA4CC294}" type="datetimeFigureOut">
               <a:rPr lang="ru-RU" smtClean="0"/>
-              <a:t>03.02.2021</a:t>
+              <a:t>21.04.2021</a:t>
             </a:fld>
             <a:endParaRPr lang="ru-RU"/>
           </a:p>
@@ -3375,7 +3374,7 @@
           <p:nvPr>
             <p:extLst>
               <p:ext uri="{D42A27DB-BD31-4B8C-83A1-F6EECF244321}">
-                <p14:modId xmlns:p14="http://schemas.microsoft.com/office/powerpoint/2010/main" val="1610334533"/>
+                <p14:modId xmlns:p14="http://schemas.microsoft.com/office/powerpoint/2010/main" val="1921675809"/>
               </p:ext>
             </p:extLst>
           </p:nvPr>
@@ -3553,7 +3552,7 @@
                       </a:pPr>
                       <a:r>
                         <a:rPr lang="en-US" sz="1200" dirty="0"/>
-                        <a:t>VARCHAR(48)</a:t>
+                        <a:t>VARCHAR(64)</a:t>
                       </a:r>
                     </a:p>
                     <a:p>
@@ -4549,7 +4548,7 @@
         <p:spPr>
           <a:xfrm>
             <a:off x="410525" y="757184"/>
-            <a:ext cx="11405653" cy="3693319"/>
+            <a:ext cx="11405653" cy="3139321"/>
           </a:xfrm>
           <a:prstGeom prst="rect">
             <a:avLst/>
@@ -4570,205 +4569,85 @@
           <a:p>
             <a:r>
               <a:rPr lang="en-US" dirty="0"/>
-              <a:t>      "desc": "</a:t>
+              <a:t>  "</a:t>
             </a:r>
             <a:r>
               <a:rPr lang="en-US" dirty="0" err="1"/>
-              <a:t>jans</a:t>
+              <a:t>dat</a:t>
             </a:r>
             <a:r>
               <a:rPr lang="en-US" dirty="0"/>
-              <a:t> user id",</a:t>
+              <a:t>": {</a:t>
             </a:r>
           </a:p>
           <a:p>
             <a:r>
               <a:rPr lang="en-US" dirty="0"/>
-              <a:t>      "equality": "</a:t>
+              <a:t>    "</a:t>
             </a:r>
             <a:r>
               <a:rPr lang="en-US" dirty="0" err="1"/>
-              <a:t>caseIgnoreMatch</a:t>
+              <a:t>mysql</a:t>
             </a:r>
             <a:r>
               <a:rPr lang="en-US" dirty="0"/>
-              <a:t>",</a:t>
+              <a:t>": {</a:t>
             </a:r>
           </a:p>
           <a:p>
             <a:r>
               <a:rPr lang="en-US" dirty="0"/>
-              <a:t>      "names": [</a:t>
+              <a:t>      "type": "TEXT"</a:t>
             </a:r>
           </a:p>
           <a:p>
             <a:r>
               <a:rPr lang="en-US" dirty="0"/>
-              <a:t>        "</a:t>
+              <a:t>    }</a:t>
+            </a:r>
+          </a:p>
+          <a:p>
+            <a:r>
+              <a:rPr lang="en-US" dirty="0"/>
+              <a:t>  },</a:t>
+            </a:r>
+          </a:p>
+          <a:p>
+            <a:r>
+              <a:rPr lang="en-US" dirty="0"/>
+              <a:t>  "description": {</a:t>
+            </a:r>
+          </a:p>
+          <a:p>
+            <a:r>
+              <a:rPr lang="en-US" dirty="0"/>
+              <a:t>    "</a:t>
             </a:r>
             <a:r>
               <a:rPr lang="en-US" dirty="0" err="1"/>
-              <a:t>jansUsrId</a:t>
+              <a:t>mysql</a:t>
             </a:r>
             <a:r>
               <a:rPr lang="en-US" dirty="0"/>
-              <a:t>",</a:t>
+              <a:t>": {</a:t>
             </a:r>
           </a:p>
           <a:p>
             <a:r>
               <a:rPr lang="en-US" dirty="0"/>
-              <a:t>        "</a:t>
-            </a:r>
-            <a:r>
-              <a:rPr lang="en-US" dirty="0" err="1"/>
-              <a:t>usrId</a:t>
-            </a:r>
+              <a:t>      "type": "TEXT"</a:t>
+            </a:r>
+          </a:p>
+          <a:p>
             <a:r>
               <a:rPr lang="en-US" dirty="0"/>
-              <a:t>"</a:t>
+              <a:t>    }</a:t>
             </a:r>
           </a:p>
           <a:p>
             <a:r>
               <a:rPr lang="en-US" dirty="0"/>
-              <a:t>      ],</a:t>
-            </a:r>
-          </a:p>
-          <a:p>
-            <a:r>
-              <a:rPr lang="en-US" dirty="0"/>
-              <a:t>      "</a:t>
-            </a:r>
-            <a:r>
-              <a:rPr lang="en-US" dirty="0" err="1"/>
-              <a:t>oid</a:t>
-            </a:r>
-            <a:r>
-              <a:rPr lang="en-US" dirty="0"/>
-              <a:t>": "</a:t>
-            </a:r>
-            <a:r>
-              <a:rPr lang="en-US" dirty="0" err="1"/>
-              <a:t>jansAttr</a:t>
-            </a:r>
-            <a:r>
-              <a:rPr lang="en-US" dirty="0"/>
-              <a:t>",</a:t>
-            </a:r>
-          </a:p>
-          <a:p>
-            <a:r>
-              <a:rPr lang="en-US" dirty="0"/>
-              <a:t>      "</a:t>
-            </a:r>
-            <a:r>
-              <a:rPr lang="en-US" dirty="0" err="1"/>
-              <a:t>substr</a:t>
-            </a:r>
-            <a:r>
-              <a:rPr lang="en-US" dirty="0"/>
-              <a:t>": "</a:t>
-            </a:r>
-            <a:r>
-              <a:rPr lang="en-US" dirty="0" err="1"/>
-              <a:t>caseIgnoreSubstringsMatch</a:t>
-            </a:r>
-            <a:r>
-              <a:rPr lang="en-US" dirty="0"/>
-              <a:t>",</a:t>
-            </a:r>
-          </a:p>
-          <a:p>
-            <a:r>
-              <a:rPr lang="en-US" dirty="0"/>
-              <a:t>      "syntax": "1.3.6.1.4.1.1466.115.121.1.15",</a:t>
-            </a:r>
-          </a:p>
-          <a:p>
-            <a:r>
-              <a:rPr lang="en-US" dirty="0"/>
-              <a:t>      "</a:t>
-            </a:r>
-            <a:r>
-              <a:rPr lang="en-US" dirty="0" err="1"/>
-              <a:t>x_origin</a:t>
-            </a:r>
-            <a:r>
-              <a:rPr lang="en-US" dirty="0"/>
-              <a:t>": "</a:t>
-            </a:r>
-            <a:r>
-              <a:rPr lang="en-US" dirty="0" err="1"/>
-              <a:t>Jans</a:t>
-            </a:r>
-            <a:r>
-              <a:rPr lang="en-US" dirty="0"/>
-              <a:t> created attribute“,</a:t>
-            </a:r>
-          </a:p>
-          <a:p>
-            <a:r>
-              <a:rPr lang="en-US" dirty="0">
-                <a:solidFill>
-                  <a:srgbClr val="00B050"/>
-                </a:solidFill>
-              </a:rPr>
-              <a:t>      “</a:t>
-            </a:r>
-            <a:r>
-              <a:rPr lang="en-US" dirty="0" err="1">
-                <a:solidFill>
-                  <a:srgbClr val="00B050"/>
-                </a:solidFill>
-              </a:rPr>
-              <a:t>db_data_type</a:t>
-            </a:r>
-            <a:r>
-              <a:rPr lang="en-US" dirty="0">
-                <a:solidFill>
-                  <a:srgbClr val="00B050"/>
-                </a:solidFill>
-              </a:rPr>
-              <a:t>": {“</a:t>
-            </a:r>
-            <a:r>
-              <a:rPr lang="en-US" dirty="0" err="1">
-                <a:solidFill>
-                  <a:srgbClr val="00B050"/>
-                </a:solidFill>
-              </a:rPr>
-              <a:t>db</a:t>
-            </a:r>
-            <a:r>
-              <a:rPr lang="en-US" dirty="0">
-                <a:solidFill>
-                  <a:srgbClr val="00B050"/>
-                </a:solidFill>
-              </a:rPr>
-              <a:t>” : “</a:t>
-            </a:r>
-            <a:r>
-              <a:rPr lang="en-US" dirty="0" err="1">
-                <a:solidFill>
-                  <a:srgbClr val="00B050"/>
-                </a:solidFill>
-              </a:rPr>
-              <a:t>mysql</a:t>
-            </a:r>
-            <a:r>
-              <a:rPr lang="en-US" dirty="0">
-                <a:solidFill>
-                  <a:srgbClr val="00B050"/>
-                </a:solidFill>
-              </a:rPr>
-              <a:t>”, “type” : “VARCHAR”, “size” : 47}</a:t>
-            </a:r>
-          </a:p>
-          <a:p>
-            <a:r>
-              <a:rPr lang="en-US" dirty="0"/>
-              <a:t>    },</a:t>
+              <a:t>  },</a:t>
             </a:r>
           </a:p>
         </p:txBody>
@@ -4806,7 +4685,7 @@
             </a:pPr>
             <a:r>
               <a:rPr lang="en-US" dirty="0"/>
-              <a:t>Default string size is 47.</a:t>
+              <a:t>Default string size is 64.</a:t>
             </a:r>
           </a:p>
           <a:p>
@@ -4823,23 +4702,7 @@
                   <a:srgbClr val="00B050"/>
                 </a:solidFill>
               </a:rPr>
-              <a:t>“</a:t>
-            </a:r>
-            <a:r>
-              <a:rPr lang="en-US" dirty="0" err="1">
-                <a:solidFill>
-                  <a:srgbClr val="00B050"/>
-                </a:solidFill>
-              </a:rPr>
-              <a:t>db_data_type</a:t>
-            </a:r>
-            <a:r>
-              <a:rPr lang="en-US" dirty="0">
-                <a:solidFill>
-                  <a:srgbClr val="00B050"/>
-                </a:solidFill>
-              </a:rPr>
-              <a:t>” </a:t>
+              <a:t>“type” </a:t>
             </a:r>
             <a:r>
               <a:rPr lang="en-US" dirty="0"/>
@@ -4999,233 +4862,6 @@
           <p:cNvPr id="4" name="TextBox 3">
             <a:extLst>
               <a:ext uri="{FF2B5EF4-FFF2-40B4-BE49-F238E27FC236}">
-                <a16:creationId xmlns:a16="http://schemas.microsoft.com/office/drawing/2014/main" id="{CF6B7C92-EC3E-40D5-B9CF-3F8C2E0E7930}"/>
-              </a:ext>
-            </a:extLst>
-          </p:cNvPr>
-          <p:cNvSpPr txBox="1"/>
-          <p:nvPr/>
-        </p:nvSpPr>
-        <p:spPr>
-          <a:xfrm>
-            <a:off x="541538" y="311705"/>
-            <a:ext cx="4642168" cy="369332"/>
-          </a:xfrm>
-          <a:prstGeom prst="rect">
-            <a:avLst/>
-          </a:prstGeom>
-          <a:noFill/>
-        </p:spPr>
-        <p:txBody>
-          <a:bodyPr wrap="none" rtlCol="0">
-            <a:spAutoFit/>
-          </a:bodyPr>
-          <a:lstStyle/>
-          <a:p>
-            <a:r>
-              <a:rPr lang="en-US" dirty="0">
-                <a:solidFill>
-                  <a:srgbClr val="0070C0"/>
-                </a:solidFill>
-              </a:rPr>
-              <a:t>Case when attribute defined in system schema</a:t>
-            </a:r>
-            <a:endParaRPr lang="ru-RU" dirty="0">
-              <a:solidFill>
-                <a:srgbClr val="0070C0"/>
-              </a:solidFill>
-            </a:endParaRPr>
-          </a:p>
-        </p:txBody>
-      </p:sp>
-      <p:sp>
-        <p:nvSpPr>
-          <p:cNvPr id="5" name="TextBox 4">
-            <a:extLst>
-              <a:ext uri="{FF2B5EF4-FFF2-40B4-BE49-F238E27FC236}">
-                <a16:creationId xmlns:a16="http://schemas.microsoft.com/office/drawing/2014/main" id="{D320313F-9FE3-48F5-A71C-8602DAC0AE49}"/>
-              </a:ext>
-            </a:extLst>
-          </p:cNvPr>
-          <p:cNvSpPr txBox="1"/>
-          <p:nvPr/>
-        </p:nvSpPr>
-        <p:spPr>
-          <a:xfrm>
-            <a:off x="410525" y="757184"/>
-            <a:ext cx="11405653" cy="2308324"/>
-          </a:xfrm>
-          <a:prstGeom prst="rect">
-            <a:avLst/>
-          </a:prstGeom>
-          <a:noFill/>
-        </p:spPr>
-        <p:txBody>
-          <a:bodyPr wrap="square">
-            <a:spAutoFit/>
-          </a:bodyPr>
-          <a:lstStyle/>
-          <a:p>
-            <a:r>
-              <a:rPr lang="en-US" dirty="0"/>
-              <a:t> {</a:t>
-            </a:r>
-          </a:p>
-          <a:p>
-            <a:r>
-              <a:rPr lang="en-US" dirty="0"/>
-              <a:t>      "names": [</a:t>
-            </a:r>
-          </a:p>
-          <a:p>
-            <a:r>
-              <a:rPr lang="en-US" dirty="0"/>
-              <a:t>        “</a:t>
-            </a:r>
-            <a:r>
-              <a:rPr lang="en-US" dirty="0" err="1"/>
-              <a:t>userPassword</a:t>
-            </a:r>
-            <a:r>
-              <a:rPr lang="en-US" dirty="0"/>
-              <a:t>"</a:t>
-            </a:r>
-          </a:p>
-          <a:p>
-            <a:r>
-              <a:rPr lang="en-US" dirty="0"/>
-              <a:t>      ],</a:t>
-            </a:r>
-          </a:p>
-          <a:p>
-            <a:r>
-              <a:rPr lang="en-US" dirty="0"/>
-              <a:t>      "syntax": "1.3.6.1.4.1.1466.115.121.1.15",</a:t>
-            </a:r>
-          </a:p>
-          <a:p>
-            <a:r>
-              <a:rPr lang="en-US" dirty="0"/>
-              <a:t>      "</a:t>
-            </a:r>
-            <a:r>
-              <a:rPr lang="en-US" dirty="0" err="1"/>
-              <a:t>x_origin</a:t>
-            </a:r>
-            <a:r>
-              <a:rPr lang="en-US" dirty="0"/>
-              <a:t>": "</a:t>
-            </a:r>
-            <a:r>
-              <a:rPr lang="en-US" dirty="0" err="1"/>
-              <a:t>Jans</a:t>
-            </a:r>
-            <a:r>
-              <a:rPr lang="en-US" dirty="0"/>
-              <a:t> created attribute“,</a:t>
-            </a:r>
-          </a:p>
-          <a:p>
-            <a:r>
-              <a:rPr lang="en-US" dirty="0">
-                <a:solidFill>
-                  <a:srgbClr val="00B050"/>
-                </a:solidFill>
-              </a:rPr>
-              <a:t>      “</a:t>
-            </a:r>
-            <a:r>
-              <a:rPr lang="en-US" dirty="0" err="1">
-                <a:solidFill>
-                  <a:srgbClr val="00B050"/>
-                </a:solidFill>
-              </a:rPr>
-              <a:t>db_data_type</a:t>
-            </a:r>
-            <a:r>
-              <a:rPr lang="en-US" dirty="0">
-                <a:solidFill>
-                  <a:srgbClr val="00B050"/>
-                </a:solidFill>
-              </a:rPr>
-              <a:t>": {“</a:t>
-            </a:r>
-            <a:r>
-              <a:rPr lang="en-US" dirty="0" err="1">
-                <a:solidFill>
-                  <a:srgbClr val="00B050"/>
-                </a:solidFill>
-              </a:rPr>
-              <a:t>db</a:t>
-            </a:r>
-            <a:r>
-              <a:rPr lang="en-US" dirty="0">
-                <a:solidFill>
-                  <a:srgbClr val="00B050"/>
-                </a:solidFill>
-              </a:rPr>
-              <a:t>” : “</a:t>
-            </a:r>
-            <a:r>
-              <a:rPr lang="en-US" dirty="0" err="1">
-                <a:solidFill>
-                  <a:srgbClr val="00B050"/>
-                </a:solidFill>
-              </a:rPr>
-              <a:t>mysql</a:t>
-            </a:r>
-            <a:r>
-              <a:rPr lang="en-US" dirty="0">
-                <a:solidFill>
-                  <a:srgbClr val="00B050"/>
-                </a:solidFill>
-              </a:rPr>
-              <a:t>”, “type” : “VARCHAR”, “size” : 63}</a:t>
-            </a:r>
-          </a:p>
-          <a:p>
-            <a:r>
-              <a:rPr lang="en-US" dirty="0"/>
-              <a:t>    },</a:t>
-            </a:r>
-          </a:p>
-        </p:txBody>
-      </p:sp>
-    </p:spTree>
-    <p:extLst>
-      <p:ext uri="{BB962C8B-B14F-4D97-AF65-F5344CB8AC3E}">
-        <p14:creationId xmlns:p14="http://schemas.microsoft.com/office/powerpoint/2010/main" val="3296106398"/>
-      </p:ext>
-    </p:extLst>
-  </p:cSld>
-  <p:clrMapOvr>
-    <a:masterClrMapping/>
-  </p:clrMapOvr>
-</p:sld>
-</file>
-
-<file path=ppt/slides/slide4.xml><?xml version="1.0" encoding="utf-8"?>
-<p:sld xmlns:a="http://schemas.openxmlformats.org/drawingml/2006/main" xmlns:r="http://schemas.openxmlformats.org/officeDocument/2006/relationships" xmlns:p="http://schemas.openxmlformats.org/presentationml/2006/main">
-  <p:cSld>
-    <p:spTree>
-      <p:nvGrpSpPr>
-        <p:cNvPr id="1" name=""/>
-        <p:cNvGrpSpPr/>
-        <p:nvPr/>
-      </p:nvGrpSpPr>
-      <p:grpSpPr>
-        <a:xfrm>
-          <a:off x="0" y="0"/>
-          <a:ext cx="0" cy="0"/>
-          <a:chOff x="0" y="0"/>
-          <a:chExt cx="0" cy="0"/>
-        </a:xfrm>
-      </p:grpSpPr>
-      <p:sp>
-        <p:nvSpPr>
-          <p:cNvPr id="4" name="TextBox 3">
-            <a:extLst>
-              <a:ext uri="{FF2B5EF4-FFF2-40B4-BE49-F238E27FC236}">
                 <a16:creationId xmlns:a16="http://schemas.microsoft.com/office/drawing/2014/main" id="{27F658F4-C31D-4AFB-99EA-BD8D2654D07F}"/>
               </a:ext>
             </a:extLst>
@@ -5385,7 +5021,7 @@
 </p:sld>
 </file>
 
-<file path=ppt/slides/slide5.xml><?xml version="1.0" encoding="utf-8"?>
+<file path=ppt/slides/slide4.xml><?xml version="1.0" encoding="utf-8"?>
 <p:sld xmlns:a="http://schemas.openxmlformats.org/drawingml/2006/main" xmlns:r="http://schemas.openxmlformats.org/officeDocument/2006/relationships" xmlns:p="http://schemas.openxmlformats.org/presentationml/2006/main">
   <p:cSld>
     <p:spTree>
